--- a/рассказ.pptx
+++ b/рассказ.pptx
@@ -207,7 +207,7 @@
           <a:p>
             <a:fld id="{DBF00FEC-9683-4B6F-BA05-A24DECC43DF8}" type="datetimeFigureOut">
               <a:rPr lang="ru-RU" smtClean="0"/>
-              <a:t>15.06.2021</a:t>
+              <a:t>18.06.2021</a:t>
             </a:fld>
             <a:endParaRPr lang="ru-RU"/>
           </a:p>
@@ -693,7 +693,7 @@
           <a:p>
             <a:fld id="{30C886A1-E3F5-4C24-868F-CD0F5041CEEE}" type="datetime1">
               <a:rPr lang="ru-RU" smtClean="0"/>
-              <a:t>15.06.2021</a:t>
+              <a:t>18.06.2021</a:t>
             </a:fld>
             <a:endParaRPr lang="ru-RU"/>
           </a:p>
@@ -863,7 +863,7 @@
           <a:p>
             <a:fld id="{F8427B80-CAD5-4E99-B3F6-3D67EAF8FA8C}" type="datetime1">
               <a:rPr lang="ru-RU" smtClean="0"/>
-              <a:t>15.06.2021</a:t>
+              <a:t>18.06.2021</a:t>
             </a:fld>
             <a:endParaRPr lang="ru-RU"/>
           </a:p>
@@ -1043,7 +1043,7 @@
           <a:p>
             <a:fld id="{159BC5FA-143B-462A-A02C-EC01EEAA4F5A}" type="datetime1">
               <a:rPr lang="ru-RU" smtClean="0"/>
-              <a:t>15.06.2021</a:t>
+              <a:t>18.06.2021</a:t>
             </a:fld>
             <a:endParaRPr lang="ru-RU"/>
           </a:p>
@@ -1213,7 +1213,7 @@
           <a:p>
             <a:fld id="{8D6E4DB3-EB96-459D-835F-2AE77CB08D00}" type="datetime1">
               <a:rPr lang="ru-RU" smtClean="0"/>
-              <a:t>15.06.2021</a:t>
+              <a:t>18.06.2021</a:t>
             </a:fld>
             <a:endParaRPr lang="ru-RU"/>
           </a:p>
@@ -1459,7 +1459,7 @@
           <a:p>
             <a:fld id="{BFCE17FE-0CFA-4B0E-A102-8E15E6CF4050}" type="datetime1">
               <a:rPr lang="ru-RU" smtClean="0"/>
-              <a:t>15.06.2021</a:t>
+              <a:t>18.06.2021</a:t>
             </a:fld>
             <a:endParaRPr lang="ru-RU"/>
           </a:p>
@@ -1691,7 +1691,7 @@
           <a:p>
             <a:fld id="{284261D5-A8C4-4ABF-BA60-91A74FE21CC9}" type="datetime1">
               <a:rPr lang="ru-RU" smtClean="0"/>
-              <a:t>15.06.2021</a:t>
+              <a:t>18.06.2021</a:t>
             </a:fld>
             <a:endParaRPr lang="ru-RU"/>
           </a:p>
@@ -2058,7 +2058,7 @@
           <a:p>
             <a:fld id="{A4DCEFE6-441E-40E5-97B3-52030F97529B}" type="datetime1">
               <a:rPr lang="ru-RU" smtClean="0"/>
-              <a:t>15.06.2021</a:t>
+              <a:t>18.06.2021</a:t>
             </a:fld>
             <a:endParaRPr lang="ru-RU"/>
           </a:p>
@@ -2176,7 +2176,7 @@
           <a:p>
             <a:fld id="{9927D665-D882-432F-8BFF-437CC027AF12}" type="datetime1">
               <a:rPr lang="ru-RU" smtClean="0"/>
-              <a:t>15.06.2021</a:t>
+              <a:t>18.06.2021</a:t>
             </a:fld>
             <a:endParaRPr lang="ru-RU"/>
           </a:p>
@@ -2271,7 +2271,7 @@
           <a:p>
             <a:fld id="{846E8512-FB8E-43EB-8FE4-33AC2DBF5E39}" type="datetime1">
               <a:rPr lang="ru-RU" smtClean="0"/>
-              <a:t>15.06.2021</a:t>
+              <a:t>18.06.2021</a:t>
             </a:fld>
             <a:endParaRPr lang="ru-RU"/>
           </a:p>
@@ -2548,7 +2548,7 @@
           <a:p>
             <a:fld id="{4764040B-173B-4337-95C2-66C726841EB5}" type="datetime1">
               <a:rPr lang="ru-RU" smtClean="0"/>
-              <a:t>15.06.2021</a:t>
+              <a:t>18.06.2021</a:t>
             </a:fld>
             <a:endParaRPr lang="ru-RU"/>
           </a:p>
@@ -2801,7 +2801,7 @@
           <a:p>
             <a:fld id="{E0C9C711-BA6F-4EE6-8080-D761081C8104}" type="datetime1">
               <a:rPr lang="ru-RU" smtClean="0"/>
-              <a:t>15.06.2021</a:t>
+              <a:t>18.06.2021</a:t>
             </a:fld>
             <a:endParaRPr lang="ru-RU"/>
           </a:p>
@@ -3014,7 +3014,7 @@
           <a:p>
             <a:fld id="{6D0BCCEF-622D-4B81-8E9E-F248B1CCB243}" type="datetime1">
               <a:rPr lang="ru-RU" smtClean="0"/>
-              <a:t>15.06.2021</a:t>
+              <a:t>18.06.2021</a:t>
             </a:fld>
             <a:endParaRPr lang="ru-RU"/>
           </a:p>
@@ -14588,8 +14588,8 @@
           </a:p>
         </p:txBody>
       </p:sp>
-      <mc:AlternateContent xmlns:mc="http://schemas.openxmlformats.org/markup-compatibility/2006">
-        <mc:Choice xmlns:a14="http://schemas.microsoft.com/office/drawing/2010/main" Requires="a14">
+      <mc:AlternateContent xmlns:mc="http://schemas.openxmlformats.org/markup-compatibility/2006" xmlns:a14="http://schemas.microsoft.com/office/drawing/2010/main">
+        <mc:Choice Requires="a14">
           <p:sp>
             <p:nvSpPr>
               <p:cNvPr id="9" name="Прямоугольник 8"/>
@@ -14689,18 +14689,14 @@
                 </a:r>
                 <a:r>
                   <a:rPr lang="ru-RU" sz="2000" dirty="0" smtClean="0"/>
-                  <a:t>сила диполь-дипольного </a:t>
-                </a:r>
-                <a:r>
-                  <a:rPr lang="ru-RU" sz="2000" dirty="0" smtClean="0"/>
-                  <a:t>взаимодействия</a:t>
+                  <a:t>сила диполь-дипольного взаимодействия</a:t>
                 </a:r>
                 <a:endParaRPr lang="ru-RU" sz="2000" dirty="0"/>
               </a:p>
             </p:txBody>
           </p:sp>
         </mc:Choice>
-        <mc:Fallback>
+        <mc:Fallback xmlns="">
           <p:sp>
             <p:nvSpPr>
               <p:cNvPr id="9" name="Прямоугольник 8"/>
@@ -14802,25 +14798,7 @@
                 </a:solidFill>
                 <a:cs typeface="Arial" panose="020B0604020202020204" pitchFamily="34" charset="0"/>
               </a:rPr>
-              <a:t>Схема взаимодействия </a:t>
-            </a:r>
-            <a:r>
-              <a:rPr lang="ru-RU" sz="2000" i="1" dirty="0" smtClean="0">
-                <a:solidFill>
-                  <a:schemeClr val="tx1"/>
-                </a:solidFill>
-                <a:cs typeface="Arial" panose="020B0604020202020204" pitchFamily="34" charset="0"/>
-              </a:rPr>
-              <a:t>магнитным </a:t>
-            </a:r>
-            <a:r>
-              <a:rPr lang="ru-RU" sz="2000" i="1" dirty="0" smtClean="0">
-                <a:solidFill>
-                  <a:schemeClr val="tx1"/>
-                </a:solidFill>
-                <a:cs typeface="Arial" panose="020B0604020202020204" pitchFamily="34" charset="0"/>
-              </a:rPr>
-              <a:t>полем на поверхности магнитной жидкости</a:t>
+              <a:t>Схема взаимодействия магнитным полем на поверхности магнитной жидкости</a:t>
             </a:r>
             <a:endParaRPr lang="ru-RU" sz="2000" i="1" dirty="0">
               <a:solidFill>

--- a/рассказ.pptx
+++ b/рассказ.pptx
@@ -207,7 +207,7 @@
           <a:p>
             <a:fld id="{DBF00FEC-9683-4B6F-BA05-A24DECC43DF8}" type="datetimeFigureOut">
               <a:rPr lang="ru-RU" smtClean="0"/>
-              <a:t>18.06.2021</a:t>
+              <a:t>20.06.2021</a:t>
             </a:fld>
             <a:endParaRPr lang="ru-RU"/>
           </a:p>
@@ -693,7 +693,7 @@
           <a:p>
             <a:fld id="{30C886A1-E3F5-4C24-868F-CD0F5041CEEE}" type="datetime1">
               <a:rPr lang="ru-RU" smtClean="0"/>
-              <a:t>18.06.2021</a:t>
+              <a:t>20.06.2021</a:t>
             </a:fld>
             <a:endParaRPr lang="ru-RU"/>
           </a:p>
@@ -863,7 +863,7 @@
           <a:p>
             <a:fld id="{F8427B80-CAD5-4E99-B3F6-3D67EAF8FA8C}" type="datetime1">
               <a:rPr lang="ru-RU" smtClean="0"/>
-              <a:t>18.06.2021</a:t>
+              <a:t>20.06.2021</a:t>
             </a:fld>
             <a:endParaRPr lang="ru-RU"/>
           </a:p>
@@ -1043,7 +1043,7 @@
           <a:p>
             <a:fld id="{159BC5FA-143B-462A-A02C-EC01EEAA4F5A}" type="datetime1">
               <a:rPr lang="ru-RU" smtClean="0"/>
-              <a:t>18.06.2021</a:t>
+              <a:t>20.06.2021</a:t>
             </a:fld>
             <a:endParaRPr lang="ru-RU"/>
           </a:p>
@@ -1213,7 +1213,7 @@
           <a:p>
             <a:fld id="{8D6E4DB3-EB96-459D-835F-2AE77CB08D00}" type="datetime1">
               <a:rPr lang="ru-RU" smtClean="0"/>
-              <a:t>18.06.2021</a:t>
+              <a:t>20.06.2021</a:t>
             </a:fld>
             <a:endParaRPr lang="ru-RU"/>
           </a:p>
@@ -1459,7 +1459,7 @@
           <a:p>
             <a:fld id="{BFCE17FE-0CFA-4B0E-A102-8E15E6CF4050}" type="datetime1">
               <a:rPr lang="ru-RU" smtClean="0"/>
-              <a:t>18.06.2021</a:t>
+              <a:t>20.06.2021</a:t>
             </a:fld>
             <a:endParaRPr lang="ru-RU"/>
           </a:p>
@@ -1691,7 +1691,7 @@
           <a:p>
             <a:fld id="{284261D5-A8C4-4ABF-BA60-91A74FE21CC9}" type="datetime1">
               <a:rPr lang="ru-RU" smtClean="0"/>
-              <a:t>18.06.2021</a:t>
+              <a:t>20.06.2021</a:t>
             </a:fld>
             <a:endParaRPr lang="ru-RU"/>
           </a:p>
@@ -2058,7 +2058,7 @@
           <a:p>
             <a:fld id="{A4DCEFE6-441E-40E5-97B3-52030F97529B}" type="datetime1">
               <a:rPr lang="ru-RU" smtClean="0"/>
-              <a:t>18.06.2021</a:t>
+              <a:t>20.06.2021</a:t>
             </a:fld>
             <a:endParaRPr lang="ru-RU"/>
           </a:p>
@@ -2176,7 +2176,7 @@
           <a:p>
             <a:fld id="{9927D665-D882-432F-8BFF-437CC027AF12}" type="datetime1">
               <a:rPr lang="ru-RU" smtClean="0"/>
-              <a:t>18.06.2021</a:t>
+              <a:t>20.06.2021</a:t>
             </a:fld>
             <a:endParaRPr lang="ru-RU"/>
           </a:p>
@@ -2271,7 +2271,7 @@
           <a:p>
             <a:fld id="{846E8512-FB8E-43EB-8FE4-33AC2DBF5E39}" type="datetime1">
               <a:rPr lang="ru-RU" smtClean="0"/>
-              <a:t>18.06.2021</a:t>
+              <a:t>20.06.2021</a:t>
             </a:fld>
             <a:endParaRPr lang="ru-RU"/>
           </a:p>
@@ -2548,7 +2548,7 @@
           <a:p>
             <a:fld id="{4764040B-173B-4337-95C2-66C726841EB5}" type="datetime1">
               <a:rPr lang="ru-RU" smtClean="0"/>
-              <a:t>18.06.2021</a:t>
+              <a:t>20.06.2021</a:t>
             </a:fld>
             <a:endParaRPr lang="ru-RU"/>
           </a:p>
@@ -2801,7 +2801,7 @@
           <a:p>
             <a:fld id="{E0C9C711-BA6F-4EE6-8080-D761081C8104}" type="datetime1">
               <a:rPr lang="ru-RU" smtClean="0"/>
-              <a:t>18.06.2021</a:t>
+              <a:t>20.06.2021</a:t>
             </a:fld>
             <a:endParaRPr lang="ru-RU"/>
           </a:p>
@@ -3014,7 +3014,7 @@
           <a:p>
             <a:fld id="{6D0BCCEF-622D-4B81-8E9E-F248B1CCB243}" type="datetime1">
               <a:rPr lang="ru-RU" smtClean="0"/>
-              <a:t>18.06.2021</a:t>
+              <a:t>20.06.2021</a:t>
             </a:fld>
             <a:endParaRPr lang="ru-RU"/>
           </a:p>
@@ -3808,13 +3808,13 @@
           <a:p>
             <a:pPr algn="ctr"/>
             <a:r>
-              <a:rPr lang="ru-RU" sz="2800" dirty="0" smtClean="0">
+              <a:rPr lang="ru-RU" sz="2800">
                 <a:solidFill>
                   <a:schemeClr val="tx1"/>
                 </a:solidFill>
                 <a:cs typeface="Arial" panose="020B0604020202020204" pitchFamily="34" charset="0"/>
               </a:rPr>
-              <a:t>Давление магнитного поля на поверхность</a:t>
+              <a:t>Взаимодействие магнитной жидкости с магнитным полем</a:t>
             </a:r>
             <a:endParaRPr lang="ru-RU" sz="2800" dirty="0">
               <a:solidFill>
@@ -3825,1436 +3825,6 @@
           </a:p>
         </p:txBody>
       </p:sp>
-      <mc:AlternateContent xmlns:mc="http://schemas.openxmlformats.org/markup-compatibility/2006" xmlns:a14="http://schemas.microsoft.com/office/drawing/2010/main">
-        <mc:Choice Requires="a14">
-          <p:sp>
-            <p:nvSpPr>
-              <p:cNvPr id="10" name="Прямоугольник 9"/>
-              <p:cNvSpPr/>
-              <p:nvPr/>
-            </p:nvSpPr>
-            <p:spPr>
-              <a:xfrm>
-                <a:off x="7696174" y="1124663"/>
-                <a:ext cx="2498184" cy="652551"/>
-              </a:xfrm>
-              <a:prstGeom prst="rect">
-                <a:avLst/>
-              </a:prstGeom>
-            </p:spPr>
-            <p:txBody>
-              <a:bodyPr wrap="none">
-                <a:spAutoFit/>
-              </a:bodyPr>
-              <a:lstStyle/>
-              <a:p>
-                <a:pPr/>
-                <a14:m>
-                  <m:oMathPara xmlns:m="http://schemas.openxmlformats.org/officeDocument/2006/math">
-                    <m:oMathParaPr>
-                      <m:jc m:val="left"/>
-                    </m:oMathParaPr>
-                    <m:oMath xmlns:m="http://schemas.openxmlformats.org/officeDocument/2006/math">
-                      <m:sSub>
-                        <m:sSubPr>
-                          <m:ctrlPr>
-                            <a:rPr lang="ru-RU" i="1">
-                              <a:latin typeface="Cambria Math" panose="02040503050406030204" pitchFamily="18" charset="0"/>
-                            </a:rPr>
-                          </m:ctrlPr>
-                        </m:sSubPr>
-                        <m:e>
-                          <m:r>
-                            <a:rPr lang="ru-RU" i="1">
-                              <a:latin typeface="Cambria Math" panose="02040503050406030204" pitchFamily="18" charset="0"/>
-                            </a:rPr>
-                            <m:t>𝑝</m:t>
-                          </m:r>
-                        </m:e>
-                        <m:sub>
-                          <m:r>
-                            <a:rPr lang="ru-RU" i="1">
-                              <a:latin typeface="Cambria Math" panose="02040503050406030204" pitchFamily="18" charset="0"/>
-                            </a:rPr>
-                            <m:t>𝑀</m:t>
-                          </m:r>
-                          <m:r>
-                            <a:rPr lang="ru-RU">
-                              <a:latin typeface="Cambria Math" panose="02040503050406030204" pitchFamily="18" charset="0"/>
-                            </a:rPr>
-                            <m:t>0</m:t>
-                          </m:r>
-                        </m:sub>
-                      </m:sSub>
-                      <m:r>
-                        <a:rPr lang="ru-RU">
-                          <a:latin typeface="Cambria Math" panose="02040503050406030204" pitchFamily="18" charset="0"/>
-                        </a:rPr>
-                        <m:t>=</m:t>
-                      </m:r>
-                      <m:f>
-                        <m:fPr>
-                          <m:ctrlPr>
-                            <a:rPr lang="ru-RU" i="1">
-                              <a:latin typeface="Cambria Math" panose="02040503050406030204" pitchFamily="18" charset="0"/>
-                            </a:rPr>
-                          </m:ctrlPr>
-                        </m:fPr>
-                        <m:num>
-                          <m:sSubSup>
-                            <m:sSubSupPr>
-                              <m:ctrlPr>
-                                <a:rPr lang="ru-RU" i="1">
-                                  <a:latin typeface="Cambria Math" panose="02040503050406030204" pitchFamily="18" charset="0"/>
-                                </a:rPr>
-                              </m:ctrlPr>
-                            </m:sSubSupPr>
-                            <m:e>
-                              <m:r>
-                                <a:rPr lang="ru-RU" i="1">
-                                  <a:latin typeface="Cambria Math" panose="02040503050406030204" pitchFamily="18" charset="0"/>
-                                </a:rPr>
-                                <m:t>𝐻</m:t>
-                              </m:r>
-                            </m:e>
-                            <m:sub>
-                              <m:r>
-                                <a:rPr lang="ru-RU">
-                                  <a:latin typeface="Cambria Math" panose="02040503050406030204" pitchFamily="18" charset="0"/>
-                                </a:rPr>
-                                <m:t>0</m:t>
-                              </m:r>
-                            </m:sub>
-                            <m:sup>
-                              <m:r>
-                                <a:rPr lang="ru-RU">
-                                  <a:latin typeface="Cambria Math" panose="02040503050406030204" pitchFamily="18" charset="0"/>
-                                </a:rPr>
-                                <m:t>2</m:t>
-                              </m:r>
-                            </m:sup>
-                          </m:sSubSup>
-                        </m:num>
-                        <m:den>
-                          <m:r>
-                            <a:rPr lang="ru-RU">
-                              <a:latin typeface="Cambria Math" panose="02040503050406030204" pitchFamily="18" charset="0"/>
-                            </a:rPr>
-                            <m:t>8</m:t>
-                          </m:r>
-                          <m:r>
-                            <a:rPr lang="ru-RU" i="1">
-                              <a:latin typeface="Cambria Math" panose="02040503050406030204" pitchFamily="18" charset="0"/>
-                            </a:rPr>
-                            <m:t>𝜋</m:t>
-                          </m:r>
-                        </m:den>
-                      </m:f>
-                      <m:d>
-                        <m:dPr>
-                          <m:ctrlPr>
-                            <a:rPr lang="ru-RU" i="1">
-                              <a:latin typeface="Cambria Math" panose="02040503050406030204" pitchFamily="18" charset="0"/>
-                            </a:rPr>
-                          </m:ctrlPr>
-                        </m:dPr>
-                        <m:e>
-                          <m:sSup>
-                            <m:sSupPr>
-                              <m:ctrlPr>
-                                <a:rPr lang="ru-RU" i="1">
-                                  <a:latin typeface="Cambria Math" panose="02040503050406030204" pitchFamily="18" charset="0"/>
-                                </a:rPr>
-                              </m:ctrlPr>
-                            </m:sSupPr>
-                            <m:e>
-                              <m:r>
-                                <a:rPr lang="ru-RU" i="1">
-                                  <a:latin typeface="Cambria Math" panose="02040503050406030204" pitchFamily="18" charset="0"/>
-                                </a:rPr>
-                                <m:t>𝜇</m:t>
-                              </m:r>
-                            </m:e>
-                            <m:sup>
-                              <m:d>
-                                <m:dPr>
-                                  <m:ctrlPr>
-                                    <a:rPr lang="ru-RU" i="1">
-                                      <a:latin typeface="Cambria Math" panose="02040503050406030204" pitchFamily="18" charset="0"/>
-                                    </a:rPr>
-                                  </m:ctrlPr>
-                                </m:dPr>
-                                <m:e>
-                                  <m:r>
-                                    <a:rPr lang="ru-RU">
-                                      <a:latin typeface="Cambria Math" panose="02040503050406030204" pitchFamily="18" charset="0"/>
-                                    </a:rPr>
-                                    <m:t>1</m:t>
-                                  </m:r>
-                                </m:e>
-                              </m:d>
-                            </m:sup>
-                          </m:sSup>
-                          <m:r>
-                            <a:rPr lang="ru-RU">
-                              <a:latin typeface="Cambria Math" panose="02040503050406030204" pitchFamily="18" charset="0"/>
-                            </a:rPr>
-                            <m:t>−</m:t>
-                          </m:r>
-                          <m:sSup>
-                            <m:sSupPr>
-                              <m:ctrlPr>
-                                <a:rPr lang="ru-RU" i="1">
-                                  <a:latin typeface="Cambria Math" panose="02040503050406030204" pitchFamily="18" charset="0"/>
-                                </a:rPr>
-                              </m:ctrlPr>
-                            </m:sSupPr>
-                            <m:e>
-                              <m:r>
-                                <a:rPr lang="ru-RU" i="1">
-                                  <a:latin typeface="Cambria Math" panose="02040503050406030204" pitchFamily="18" charset="0"/>
-                                </a:rPr>
-                                <m:t>𝜇</m:t>
-                              </m:r>
-                            </m:e>
-                            <m:sup>
-                              <m:d>
-                                <m:dPr>
-                                  <m:ctrlPr>
-                                    <a:rPr lang="ru-RU" i="1">
-                                      <a:latin typeface="Cambria Math" panose="02040503050406030204" pitchFamily="18" charset="0"/>
-                                    </a:rPr>
-                                  </m:ctrlPr>
-                                </m:dPr>
-                                <m:e>
-                                  <m:r>
-                                    <a:rPr lang="ru-RU">
-                                      <a:latin typeface="Cambria Math" panose="02040503050406030204" pitchFamily="18" charset="0"/>
-                                    </a:rPr>
-                                    <m:t>2</m:t>
-                                  </m:r>
-                                </m:e>
-                              </m:d>
-                            </m:sup>
-                          </m:sSup>
-                        </m:e>
-                      </m:d>
-                    </m:oMath>
-                  </m:oMathPara>
-                </a14:m>
-                <a:endParaRPr lang="ru-RU" dirty="0"/>
-              </a:p>
-            </p:txBody>
-          </p:sp>
-        </mc:Choice>
-        <mc:Fallback xmlns="">
-          <p:sp>
-            <p:nvSpPr>
-              <p:cNvPr id="10" name="Прямоугольник 9"/>
-              <p:cNvSpPr>
-                <a:spLocks noRot="1" noChangeAspect="1" noMove="1" noResize="1" noEditPoints="1" noAdjustHandles="1" noChangeArrowheads="1" noChangeShapeType="1" noTextEdit="1"/>
-              </p:cNvSpPr>
-              <p:nvPr/>
-            </p:nvSpPr>
-            <p:spPr>
-              <a:xfrm>
-                <a:off x="7696174" y="1124663"/>
-                <a:ext cx="2498184" cy="652551"/>
-              </a:xfrm>
-              <a:prstGeom prst="rect">
-                <a:avLst/>
-              </a:prstGeom>
-              <a:blipFill>
-                <a:blip r:embed="rId2"/>
-                <a:stretch>
-                  <a:fillRect/>
-                </a:stretch>
-              </a:blipFill>
-            </p:spPr>
-            <p:txBody>
-              <a:bodyPr/>
-              <a:lstStyle/>
-              <a:p>
-                <a:r>
-                  <a:rPr lang="ru-RU">
-                    <a:noFill/>
-                  </a:rPr>
-                  <a:t> </a:t>
-                </a:r>
-              </a:p>
-            </p:txBody>
-          </p:sp>
-        </mc:Fallback>
-      </mc:AlternateContent>
-      <mc:AlternateContent xmlns:mc="http://schemas.openxmlformats.org/markup-compatibility/2006" xmlns:a14="http://schemas.microsoft.com/office/drawing/2010/main">
-        <mc:Choice Requires="a14">
-          <p:sp>
-            <p:nvSpPr>
-              <p:cNvPr id="11" name="Прямоугольник 10"/>
-              <p:cNvSpPr/>
-              <p:nvPr/>
-            </p:nvSpPr>
-            <p:spPr>
-              <a:xfrm>
-                <a:off x="7696174" y="1899935"/>
-                <a:ext cx="3348801" cy="682623"/>
-              </a:xfrm>
-              <a:prstGeom prst="rect">
-                <a:avLst/>
-              </a:prstGeom>
-            </p:spPr>
-            <p:txBody>
-              <a:bodyPr wrap="none">
-                <a:spAutoFit/>
-              </a:bodyPr>
-              <a:lstStyle/>
-              <a:p>
-                <a:pPr/>
-                <a14:m>
-                  <m:oMathPara xmlns:m="http://schemas.openxmlformats.org/officeDocument/2006/math">
-                    <m:oMathParaPr>
-                      <m:jc m:val="centerGroup"/>
-                    </m:oMathParaPr>
-                    <m:oMath xmlns:m="http://schemas.openxmlformats.org/officeDocument/2006/math">
-                      <m:sSub>
-                        <m:sSubPr>
-                          <m:ctrlPr>
-                            <a:rPr lang="ru-RU" i="1" smtClean="0">
-                              <a:latin typeface="Cambria Math" panose="02040503050406030204" pitchFamily="18" charset="0"/>
-                            </a:rPr>
-                          </m:ctrlPr>
-                        </m:sSubPr>
-                        <m:e>
-                          <m:r>
-                            <a:rPr lang="ru-RU" i="1">
-                              <a:latin typeface="Cambria Math" panose="02040503050406030204" pitchFamily="18" charset="0"/>
-                            </a:rPr>
-                            <m:t>𝑝</m:t>
-                          </m:r>
-                        </m:e>
-                        <m:sub>
-                          <m:r>
-                            <a:rPr lang="ru-RU" i="1">
-                              <a:latin typeface="Cambria Math" panose="02040503050406030204" pitchFamily="18" charset="0"/>
-                            </a:rPr>
-                            <m:t>𝑀</m:t>
-                          </m:r>
-                          <m:r>
-                            <a:rPr lang="ru-RU">
-                              <a:latin typeface="Cambria Math" panose="02040503050406030204" pitchFamily="18" charset="0"/>
-                            </a:rPr>
-                            <m:t>1</m:t>
-                          </m:r>
-                        </m:sub>
-                      </m:sSub>
-                      <m:r>
-                        <a:rPr lang="ru-RU">
-                          <a:latin typeface="Cambria Math" panose="02040503050406030204" pitchFamily="18" charset="0"/>
-                        </a:rPr>
-                        <m:t>=</m:t>
-                      </m:r>
-                      <m:f>
-                        <m:fPr>
-                          <m:ctrlPr>
-                            <a:rPr lang="ru-RU" i="1">
-                              <a:latin typeface="Cambria Math" panose="02040503050406030204" pitchFamily="18" charset="0"/>
-                            </a:rPr>
-                          </m:ctrlPr>
-                        </m:fPr>
-                        <m:num>
-                          <m:sSub>
-                            <m:sSubPr>
-                              <m:ctrlPr>
-                                <a:rPr lang="ru-RU" i="1">
-                                  <a:latin typeface="Cambria Math" panose="02040503050406030204" pitchFamily="18" charset="0"/>
-                                </a:rPr>
-                              </m:ctrlPr>
-                            </m:sSubPr>
-                            <m:e>
-                              <m:acc>
-                                <m:accPr>
-                                  <m:chr m:val="⃗"/>
-                                  <m:ctrlPr>
-                                    <a:rPr lang="ru-RU" i="1">
-                                      <a:latin typeface="Cambria Math" panose="02040503050406030204" pitchFamily="18" charset="0"/>
-                                    </a:rPr>
-                                  </m:ctrlPr>
-                                </m:accPr>
-                                <m:e>
-                                  <m:r>
-                                    <a:rPr lang="ru-RU" i="1">
-                                      <a:latin typeface="Cambria Math" panose="02040503050406030204" pitchFamily="18" charset="0"/>
-                                    </a:rPr>
-                                    <m:t>𝐻</m:t>
-                                  </m:r>
-                                </m:e>
-                              </m:acc>
-                            </m:e>
-                            <m:sub>
-                              <m:r>
-                                <a:rPr lang="ru-RU">
-                                  <a:latin typeface="Cambria Math" panose="02040503050406030204" pitchFamily="18" charset="0"/>
-                                </a:rPr>
-                                <m:t>0</m:t>
-                              </m:r>
-                            </m:sub>
-                          </m:sSub>
-                        </m:num>
-                        <m:den>
-                          <m:r>
-                            <a:rPr lang="ru-RU">
-                              <a:latin typeface="Cambria Math" panose="02040503050406030204" pitchFamily="18" charset="0"/>
-                            </a:rPr>
-                            <m:t>4</m:t>
-                          </m:r>
-                          <m:r>
-                            <a:rPr lang="ru-RU" i="1">
-                              <a:latin typeface="Cambria Math" panose="02040503050406030204" pitchFamily="18" charset="0"/>
-                            </a:rPr>
-                            <m:t>𝜋</m:t>
-                          </m:r>
-                        </m:den>
-                      </m:f>
-                      <m:d>
-                        <m:dPr>
-                          <m:ctrlPr>
-                            <a:rPr lang="ru-RU" i="1">
-                              <a:latin typeface="Cambria Math" panose="02040503050406030204" pitchFamily="18" charset="0"/>
-                            </a:rPr>
-                          </m:ctrlPr>
-                        </m:dPr>
-                        <m:e>
-                          <m:sSup>
-                            <m:sSupPr>
-                              <m:ctrlPr>
-                                <a:rPr lang="ru-RU" i="1">
-                                  <a:latin typeface="Cambria Math" panose="02040503050406030204" pitchFamily="18" charset="0"/>
-                                </a:rPr>
-                              </m:ctrlPr>
-                            </m:sSupPr>
-                            <m:e>
-                              <m:r>
-                                <a:rPr lang="ru-RU" i="1">
-                                  <a:latin typeface="Cambria Math" panose="02040503050406030204" pitchFamily="18" charset="0"/>
-                                </a:rPr>
-                                <m:t>𝜇</m:t>
-                              </m:r>
-                            </m:e>
-                            <m:sup>
-                              <m:d>
-                                <m:dPr>
-                                  <m:ctrlPr>
-                                    <a:rPr lang="ru-RU" i="1">
-                                      <a:latin typeface="Cambria Math" panose="02040503050406030204" pitchFamily="18" charset="0"/>
-                                    </a:rPr>
-                                  </m:ctrlPr>
-                                </m:dPr>
-                                <m:e>
-                                  <m:r>
-                                    <a:rPr lang="ru-RU">
-                                      <a:latin typeface="Cambria Math" panose="02040503050406030204" pitchFamily="18" charset="0"/>
-                                    </a:rPr>
-                                    <m:t>1</m:t>
-                                  </m:r>
-                                </m:e>
-                              </m:d>
-                            </m:sup>
-                          </m:sSup>
-                          <m:sSubSup>
-                            <m:sSubSupPr>
-                              <m:ctrlPr>
-                                <a:rPr lang="ru-RU" i="1">
-                                  <a:latin typeface="Cambria Math" panose="02040503050406030204" pitchFamily="18" charset="0"/>
-                                </a:rPr>
-                              </m:ctrlPr>
-                            </m:sSubSupPr>
-                            <m:e>
-                              <m:acc>
-                                <m:accPr>
-                                  <m:chr m:val="⃗"/>
-                                  <m:ctrlPr>
-                                    <a:rPr lang="ru-RU" i="1">
-                                      <a:latin typeface="Cambria Math" panose="02040503050406030204" pitchFamily="18" charset="0"/>
-                                    </a:rPr>
-                                  </m:ctrlPr>
-                                </m:accPr>
-                                <m:e>
-                                  <m:r>
-                                    <a:rPr lang="ru-RU" i="1">
-                                      <a:latin typeface="Cambria Math" panose="02040503050406030204" pitchFamily="18" charset="0"/>
-                                    </a:rPr>
-                                    <m:t>𝐻</m:t>
-                                  </m:r>
-                                </m:e>
-                              </m:acc>
-                            </m:e>
-                            <m:sub>
-                              <m:r>
-                                <a:rPr lang="ru-RU">
-                                  <a:latin typeface="Cambria Math" panose="02040503050406030204" pitchFamily="18" charset="0"/>
-                                </a:rPr>
-                                <m:t>1</m:t>
-                              </m:r>
-                            </m:sub>
-                            <m:sup>
-                              <m:d>
-                                <m:dPr>
-                                  <m:ctrlPr>
-                                    <a:rPr lang="ru-RU" i="1">
-                                      <a:latin typeface="Cambria Math" panose="02040503050406030204" pitchFamily="18" charset="0"/>
-                                    </a:rPr>
-                                  </m:ctrlPr>
-                                </m:dPr>
-                                <m:e>
-                                  <m:r>
-                                    <a:rPr lang="ru-RU">
-                                      <a:latin typeface="Cambria Math" panose="02040503050406030204" pitchFamily="18" charset="0"/>
-                                    </a:rPr>
-                                    <m:t>1</m:t>
-                                  </m:r>
-                                </m:e>
-                              </m:d>
-                            </m:sup>
-                          </m:sSubSup>
-                          <m:r>
-                            <a:rPr lang="ru-RU">
-                              <a:latin typeface="Cambria Math" panose="02040503050406030204" pitchFamily="18" charset="0"/>
-                            </a:rPr>
-                            <m:t>−</m:t>
-                          </m:r>
-                          <m:sSup>
-                            <m:sSupPr>
-                              <m:ctrlPr>
-                                <a:rPr lang="ru-RU" i="1">
-                                  <a:latin typeface="Cambria Math" panose="02040503050406030204" pitchFamily="18" charset="0"/>
-                                </a:rPr>
-                              </m:ctrlPr>
-                            </m:sSupPr>
-                            <m:e>
-                              <m:r>
-                                <a:rPr lang="ru-RU" i="1">
-                                  <a:latin typeface="Cambria Math" panose="02040503050406030204" pitchFamily="18" charset="0"/>
-                                </a:rPr>
-                                <m:t>𝜇</m:t>
-                              </m:r>
-                            </m:e>
-                            <m:sup>
-                              <m:d>
-                                <m:dPr>
-                                  <m:ctrlPr>
-                                    <a:rPr lang="ru-RU" i="1">
-                                      <a:latin typeface="Cambria Math" panose="02040503050406030204" pitchFamily="18" charset="0"/>
-                                    </a:rPr>
-                                  </m:ctrlPr>
-                                </m:dPr>
-                                <m:e>
-                                  <m:r>
-                                    <a:rPr lang="ru-RU">
-                                      <a:latin typeface="Cambria Math" panose="02040503050406030204" pitchFamily="18" charset="0"/>
-                                    </a:rPr>
-                                    <m:t>2</m:t>
-                                  </m:r>
-                                </m:e>
-                              </m:d>
-                            </m:sup>
-                          </m:sSup>
-                          <m:sSubSup>
-                            <m:sSubSupPr>
-                              <m:ctrlPr>
-                                <a:rPr lang="ru-RU" i="1">
-                                  <a:latin typeface="Cambria Math" panose="02040503050406030204" pitchFamily="18" charset="0"/>
-                                </a:rPr>
-                              </m:ctrlPr>
-                            </m:sSubSupPr>
-                            <m:e>
-                              <m:acc>
-                                <m:accPr>
-                                  <m:chr m:val="⃗"/>
-                                  <m:ctrlPr>
-                                    <a:rPr lang="ru-RU" i="1">
-                                      <a:latin typeface="Cambria Math" panose="02040503050406030204" pitchFamily="18" charset="0"/>
-                                    </a:rPr>
-                                  </m:ctrlPr>
-                                </m:accPr>
-                                <m:e>
-                                  <m:r>
-                                    <a:rPr lang="ru-RU" i="1">
-                                      <a:latin typeface="Cambria Math" panose="02040503050406030204" pitchFamily="18" charset="0"/>
-                                    </a:rPr>
-                                    <m:t>𝐻</m:t>
-                                  </m:r>
-                                </m:e>
-                              </m:acc>
-                            </m:e>
-                            <m:sub>
-                              <m:r>
-                                <a:rPr lang="ru-RU">
-                                  <a:latin typeface="Cambria Math" panose="02040503050406030204" pitchFamily="18" charset="0"/>
-                                </a:rPr>
-                                <m:t>1</m:t>
-                              </m:r>
-                            </m:sub>
-                            <m:sup>
-                              <m:d>
-                                <m:dPr>
-                                  <m:ctrlPr>
-                                    <a:rPr lang="ru-RU" i="1">
-                                      <a:latin typeface="Cambria Math" panose="02040503050406030204" pitchFamily="18" charset="0"/>
-                                    </a:rPr>
-                                  </m:ctrlPr>
-                                </m:dPr>
-                                <m:e>
-                                  <m:r>
-                                    <a:rPr lang="ru-RU">
-                                      <a:latin typeface="Cambria Math" panose="02040503050406030204" pitchFamily="18" charset="0"/>
-                                    </a:rPr>
-                                    <m:t>2</m:t>
-                                  </m:r>
-                                </m:e>
-                              </m:d>
-                            </m:sup>
-                          </m:sSubSup>
-                        </m:e>
-                      </m:d>
-                    </m:oMath>
-                  </m:oMathPara>
-                </a14:m>
-                <a:endParaRPr lang="ru-RU" dirty="0"/>
-              </a:p>
-            </p:txBody>
-          </p:sp>
-        </mc:Choice>
-        <mc:Fallback xmlns="">
-          <p:sp>
-            <p:nvSpPr>
-              <p:cNvPr id="11" name="Прямоугольник 10"/>
-              <p:cNvSpPr>
-                <a:spLocks noRot="1" noChangeAspect="1" noMove="1" noResize="1" noEditPoints="1" noAdjustHandles="1" noChangeArrowheads="1" noChangeShapeType="1" noTextEdit="1"/>
-              </p:cNvSpPr>
-              <p:nvPr/>
-            </p:nvSpPr>
-            <p:spPr>
-              <a:xfrm>
-                <a:off x="7696174" y="1899935"/>
-                <a:ext cx="3348801" cy="682623"/>
-              </a:xfrm>
-              <a:prstGeom prst="rect">
-                <a:avLst/>
-              </a:prstGeom>
-              <a:blipFill>
-                <a:blip r:embed="rId3"/>
-                <a:stretch>
-                  <a:fillRect/>
-                </a:stretch>
-              </a:blipFill>
-            </p:spPr>
-            <p:txBody>
-              <a:bodyPr/>
-              <a:lstStyle/>
-              <a:p>
-                <a:r>
-                  <a:rPr lang="ru-RU">
-                    <a:noFill/>
-                  </a:rPr>
-                  <a:t> </a:t>
-                </a:r>
-              </a:p>
-            </p:txBody>
-          </p:sp>
-        </mc:Fallback>
-      </mc:AlternateContent>
-      <mc:AlternateContent xmlns:mc="http://schemas.openxmlformats.org/markup-compatibility/2006" xmlns:a14="http://schemas.microsoft.com/office/drawing/2010/main">
-        <mc:Choice Requires="a14">
-          <p:sp>
-            <p:nvSpPr>
-              <p:cNvPr id="9" name="Прямоугольник 8"/>
-              <p:cNvSpPr/>
-              <p:nvPr/>
-            </p:nvSpPr>
-            <p:spPr>
-              <a:xfrm>
-                <a:off x="7696174" y="3759289"/>
-                <a:ext cx="3544367" cy="612796"/>
-              </a:xfrm>
-              <a:prstGeom prst="rect">
-                <a:avLst/>
-              </a:prstGeom>
-            </p:spPr>
-            <p:txBody>
-              <a:bodyPr wrap="none">
-                <a:spAutoFit/>
-              </a:bodyPr>
-              <a:lstStyle/>
-              <a:p>
-                <a:pPr/>
-                <a14:m>
-                  <m:oMathPara xmlns:m="http://schemas.openxmlformats.org/officeDocument/2006/math">
-                    <m:oMathParaPr>
-                      <m:jc m:val="centerGroup"/>
-                    </m:oMathParaPr>
-                    <m:oMath xmlns:m="http://schemas.openxmlformats.org/officeDocument/2006/math">
-                      <m:sSub>
-                        <m:sSubPr>
-                          <m:ctrlPr>
-                            <a:rPr lang="ru-RU" i="1">
-                              <a:latin typeface="Cambria Math" panose="02040503050406030204" pitchFamily="18" charset="0"/>
-                            </a:rPr>
-                          </m:ctrlPr>
-                        </m:sSubPr>
-                        <m:e>
-                          <m:r>
-                            <a:rPr lang="ru-RU" i="1">
-                              <a:latin typeface="Cambria Math" panose="02040503050406030204" pitchFamily="18" charset="0"/>
-                            </a:rPr>
-                            <m:t>𝑝</m:t>
-                          </m:r>
-                        </m:e>
-                        <m:sub>
-                          <m:r>
-                            <a:rPr lang="ru-RU" i="1">
-                              <a:latin typeface="Cambria Math" panose="02040503050406030204" pitchFamily="18" charset="0"/>
-                            </a:rPr>
-                            <m:t>𝑀</m:t>
-                          </m:r>
-                          <m:r>
-                            <a:rPr lang="ru-RU">
-                              <a:latin typeface="Cambria Math" panose="02040503050406030204" pitchFamily="18" charset="0"/>
-                            </a:rPr>
-                            <m:t>0</m:t>
-                          </m:r>
-                        </m:sub>
-                      </m:sSub>
-                      <m:r>
-                        <a:rPr lang="ru-RU">
-                          <a:latin typeface="Cambria Math" panose="02040503050406030204" pitchFamily="18" charset="0"/>
-                        </a:rPr>
-                        <m:t>=</m:t>
-                      </m:r>
-                      <m:f>
-                        <m:fPr>
-                          <m:ctrlPr>
-                            <a:rPr lang="ru-RU" i="1">
-                              <a:latin typeface="Cambria Math" panose="02040503050406030204" pitchFamily="18" charset="0"/>
-                            </a:rPr>
-                          </m:ctrlPr>
-                        </m:fPr>
-                        <m:num>
-                          <m:r>
-                            <a:rPr lang="ru-RU">
-                              <a:latin typeface="Cambria Math" panose="02040503050406030204" pitchFamily="18" charset="0"/>
-                            </a:rPr>
-                            <m:t>1</m:t>
-                          </m:r>
-                        </m:num>
-                        <m:den>
-                          <m:r>
-                            <a:rPr lang="ru-RU">
-                              <a:latin typeface="Cambria Math" panose="02040503050406030204" pitchFamily="18" charset="0"/>
-                            </a:rPr>
-                            <m:t>8</m:t>
-                          </m:r>
-                          <m:r>
-                            <a:rPr lang="ru-RU" i="1">
-                              <a:latin typeface="Cambria Math" panose="02040503050406030204" pitchFamily="18" charset="0"/>
-                            </a:rPr>
-                            <m:t>𝜋</m:t>
-                          </m:r>
-                        </m:den>
-                      </m:f>
-                      <m:d>
-                        <m:dPr>
-                          <m:ctrlPr>
-                            <a:rPr lang="ru-RU" i="1">
-                              <a:latin typeface="Cambria Math" panose="02040503050406030204" pitchFamily="18" charset="0"/>
-                            </a:rPr>
-                          </m:ctrlPr>
-                        </m:dPr>
-                        <m:e>
-                          <m:sSup>
-                            <m:sSupPr>
-                              <m:ctrlPr>
-                                <a:rPr lang="ru-RU" i="1">
-                                  <a:latin typeface="Cambria Math" panose="02040503050406030204" pitchFamily="18" charset="0"/>
-                                </a:rPr>
-                              </m:ctrlPr>
-                            </m:sSupPr>
-                            <m:e>
-                              <m:r>
-                                <a:rPr lang="ru-RU" i="1">
-                                  <a:latin typeface="Cambria Math" panose="02040503050406030204" pitchFamily="18" charset="0"/>
-                                </a:rPr>
-                                <m:t>𝜇</m:t>
-                              </m:r>
-                            </m:e>
-                            <m:sup>
-                              <m:d>
-                                <m:dPr>
-                                  <m:ctrlPr>
-                                    <a:rPr lang="ru-RU" i="1">
-                                      <a:latin typeface="Cambria Math" panose="02040503050406030204" pitchFamily="18" charset="0"/>
-                                    </a:rPr>
-                                  </m:ctrlPr>
-                                </m:dPr>
-                                <m:e>
-                                  <m:r>
-                                    <a:rPr lang="ru-RU">
-                                      <a:latin typeface="Cambria Math" panose="02040503050406030204" pitchFamily="18" charset="0"/>
-                                    </a:rPr>
-                                    <m:t>2</m:t>
-                                  </m:r>
-                                </m:e>
-                              </m:d>
-                            </m:sup>
-                          </m:sSup>
-                          <m:sSubSup>
-                            <m:sSubSupPr>
-                              <m:ctrlPr>
-                                <a:rPr lang="ru-RU" i="1">
-                                  <a:latin typeface="Cambria Math" panose="02040503050406030204" pitchFamily="18" charset="0"/>
-                                </a:rPr>
-                              </m:ctrlPr>
-                            </m:sSubSupPr>
-                            <m:e>
-                              <m:r>
-                                <a:rPr lang="ru-RU" i="1">
-                                  <a:latin typeface="Cambria Math" panose="02040503050406030204" pitchFamily="18" charset="0"/>
-                                </a:rPr>
-                                <m:t>𝐻</m:t>
-                              </m:r>
-                            </m:e>
-                            <m:sub>
-                              <m:r>
-                                <a:rPr lang="ru-RU">
-                                  <a:latin typeface="Cambria Math" panose="02040503050406030204" pitchFamily="18" charset="0"/>
-                                </a:rPr>
-                                <m:t>0</m:t>
-                              </m:r>
-                            </m:sub>
-                            <m:sup>
-                              <m:d>
-                                <m:dPr>
-                                  <m:ctrlPr>
-                                    <a:rPr lang="ru-RU" i="1">
-                                      <a:latin typeface="Cambria Math" panose="02040503050406030204" pitchFamily="18" charset="0"/>
-                                    </a:rPr>
-                                  </m:ctrlPr>
-                                </m:dPr>
-                                <m:e>
-                                  <m:r>
-                                    <a:rPr lang="ru-RU">
-                                      <a:latin typeface="Cambria Math" panose="02040503050406030204" pitchFamily="18" charset="0"/>
-                                    </a:rPr>
-                                    <m:t>2</m:t>
-                                  </m:r>
-                                </m:e>
-                              </m:d>
-                              <m:r>
-                                <a:rPr lang="ru-RU">
-                                  <a:latin typeface="Cambria Math" panose="02040503050406030204" pitchFamily="18" charset="0"/>
-                                </a:rPr>
-                                <m:t>2</m:t>
-                              </m:r>
-                            </m:sup>
-                          </m:sSubSup>
-                          <m:r>
-                            <a:rPr lang="ru-RU">
-                              <a:latin typeface="Cambria Math" panose="02040503050406030204" pitchFamily="18" charset="0"/>
-                            </a:rPr>
-                            <m:t>−</m:t>
-                          </m:r>
-                          <m:sSup>
-                            <m:sSupPr>
-                              <m:ctrlPr>
-                                <a:rPr lang="ru-RU" i="1">
-                                  <a:latin typeface="Cambria Math" panose="02040503050406030204" pitchFamily="18" charset="0"/>
-                                </a:rPr>
-                              </m:ctrlPr>
-                            </m:sSupPr>
-                            <m:e>
-                              <m:r>
-                                <a:rPr lang="ru-RU" i="1">
-                                  <a:latin typeface="Cambria Math" panose="02040503050406030204" pitchFamily="18" charset="0"/>
-                                </a:rPr>
-                                <m:t>𝜇</m:t>
-                              </m:r>
-                            </m:e>
-                            <m:sup>
-                              <m:d>
-                                <m:dPr>
-                                  <m:ctrlPr>
-                                    <a:rPr lang="ru-RU" i="1">
-                                      <a:latin typeface="Cambria Math" panose="02040503050406030204" pitchFamily="18" charset="0"/>
-                                    </a:rPr>
-                                  </m:ctrlPr>
-                                </m:dPr>
-                                <m:e>
-                                  <m:r>
-                                    <a:rPr lang="ru-RU">
-                                      <a:latin typeface="Cambria Math" panose="02040503050406030204" pitchFamily="18" charset="0"/>
-                                    </a:rPr>
-                                    <m:t>1</m:t>
-                                  </m:r>
-                                </m:e>
-                              </m:d>
-                            </m:sup>
-                          </m:sSup>
-                          <m:sSubSup>
-                            <m:sSubSupPr>
-                              <m:ctrlPr>
-                                <a:rPr lang="ru-RU" i="1">
-                                  <a:latin typeface="Cambria Math" panose="02040503050406030204" pitchFamily="18" charset="0"/>
-                                </a:rPr>
-                              </m:ctrlPr>
-                            </m:sSubSupPr>
-                            <m:e>
-                              <m:r>
-                                <a:rPr lang="ru-RU" i="1">
-                                  <a:latin typeface="Cambria Math" panose="02040503050406030204" pitchFamily="18" charset="0"/>
-                                </a:rPr>
-                                <m:t>𝐻</m:t>
-                              </m:r>
-                            </m:e>
-                            <m:sub>
-                              <m:r>
-                                <a:rPr lang="ru-RU">
-                                  <a:latin typeface="Cambria Math" panose="02040503050406030204" pitchFamily="18" charset="0"/>
-                                </a:rPr>
-                                <m:t>0</m:t>
-                              </m:r>
-                            </m:sub>
-                            <m:sup>
-                              <m:d>
-                                <m:dPr>
-                                  <m:ctrlPr>
-                                    <a:rPr lang="ru-RU" i="1">
-                                      <a:latin typeface="Cambria Math" panose="02040503050406030204" pitchFamily="18" charset="0"/>
-                                    </a:rPr>
-                                  </m:ctrlPr>
-                                </m:dPr>
-                                <m:e>
-                                  <m:r>
-                                    <a:rPr lang="ru-RU">
-                                      <a:latin typeface="Cambria Math" panose="02040503050406030204" pitchFamily="18" charset="0"/>
-                                    </a:rPr>
-                                    <m:t>1</m:t>
-                                  </m:r>
-                                </m:e>
-                              </m:d>
-                              <m:r>
-                                <a:rPr lang="ru-RU">
-                                  <a:latin typeface="Cambria Math" panose="02040503050406030204" pitchFamily="18" charset="0"/>
-                                </a:rPr>
-                                <m:t>2</m:t>
-                              </m:r>
-                            </m:sup>
-                          </m:sSubSup>
-                        </m:e>
-                      </m:d>
-                    </m:oMath>
-                  </m:oMathPara>
-                </a14:m>
-                <a:endParaRPr lang="ru-RU" dirty="0"/>
-              </a:p>
-            </p:txBody>
-          </p:sp>
-        </mc:Choice>
-        <mc:Fallback xmlns="">
-          <p:sp>
-            <p:nvSpPr>
-              <p:cNvPr id="9" name="Прямоугольник 8"/>
-              <p:cNvSpPr>
-                <a:spLocks noRot="1" noChangeAspect="1" noMove="1" noResize="1" noEditPoints="1" noAdjustHandles="1" noChangeArrowheads="1" noChangeShapeType="1" noTextEdit="1"/>
-              </p:cNvSpPr>
-              <p:nvPr/>
-            </p:nvSpPr>
-            <p:spPr>
-              <a:xfrm>
-                <a:off x="7696174" y="3759289"/>
-                <a:ext cx="3544367" cy="612796"/>
-              </a:xfrm>
-              <a:prstGeom prst="rect">
-                <a:avLst/>
-              </a:prstGeom>
-              <a:blipFill>
-                <a:blip r:embed="rId4"/>
-                <a:stretch>
-                  <a:fillRect/>
-                </a:stretch>
-              </a:blipFill>
-            </p:spPr>
-            <p:txBody>
-              <a:bodyPr/>
-              <a:lstStyle/>
-              <a:p>
-                <a:r>
-                  <a:rPr lang="ru-RU">
-                    <a:noFill/>
-                  </a:rPr>
-                  <a:t> </a:t>
-                </a:r>
-              </a:p>
-            </p:txBody>
-          </p:sp>
-        </mc:Fallback>
-      </mc:AlternateContent>
-      <mc:AlternateContent xmlns:mc="http://schemas.openxmlformats.org/markup-compatibility/2006" xmlns:a14="http://schemas.microsoft.com/office/drawing/2010/main">
-        <mc:Choice Requires="a14">
-          <p:sp>
-            <p:nvSpPr>
-              <p:cNvPr id="12" name="Прямоугольник 11"/>
-              <p:cNvSpPr/>
-              <p:nvPr/>
-            </p:nvSpPr>
-            <p:spPr>
-              <a:xfrm>
-                <a:off x="7696174" y="4518235"/>
-                <a:ext cx="4193392" cy="612796"/>
-              </a:xfrm>
-              <a:prstGeom prst="rect">
-                <a:avLst/>
-              </a:prstGeom>
-            </p:spPr>
-            <p:txBody>
-              <a:bodyPr wrap="none">
-                <a:spAutoFit/>
-              </a:bodyPr>
-              <a:lstStyle/>
-              <a:p>
-                <a:pPr/>
-                <a14:m>
-                  <m:oMathPara xmlns:m="http://schemas.openxmlformats.org/officeDocument/2006/math">
-                    <m:oMathParaPr>
-                      <m:jc m:val="centerGroup"/>
-                    </m:oMathParaPr>
-                    <m:oMath xmlns:m="http://schemas.openxmlformats.org/officeDocument/2006/math">
-                      <m:sSub>
-                        <m:sSubPr>
-                          <m:ctrlPr>
-                            <a:rPr lang="ru-RU" i="1">
-                              <a:latin typeface="Cambria Math" panose="02040503050406030204" pitchFamily="18" charset="0"/>
-                            </a:rPr>
-                          </m:ctrlPr>
-                        </m:sSubPr>
-                        <m:e>
-                          <m:r>
-                            <a:rPr lang="ru-RU" i="1">
-                              <a:latin typeface="Cambria Math" panose="02040503050406030204" pitchFamily="18" charset="0"/>
-                            </a:rPr>
-                            <m:t>𝑝</m:t>
-                          </m:r>
-                        </m:e>
-                        <m:sub>
-                          <m:r>
-                            <a:rPr lang="ru-RU" i="1">
-                              <a:latin typeface="Cambria Math" panose="02040503050406030204" pitchFamily="18" charset="0"/>
-                            </a:rPr>
-                            <m:t>𝑀</m:t>
-                          </m:r>
-                          <m:r>
-                            <a:rPr lang="ru-RU">
-                              <a:latin typeface="Cambria Math" panose="02040503050406030204" pitchFamily="18" charset="0"/>
-                            </a:rPr>
-                            <m:t>1</m:t>
-                          </m:r>
-                        </m:sub>
-                      </m:sSub>
-                      <m:r>
-                        <a:rPr lang="ru-RU">
-                          <a:latin typeface="Cambria Math" panose="02040503050406030204" pitchFamily="18" charset="0"/>
-                        </a:rPr>
-                        <m:t>=</m:t>
-                      </m:r>
-                      <m:f>
-                        <m:fPr>
-                          <m:ctrlPr>
-                            <a:rPr lang="ru-RU" i="1">
-                              <a:latin typeface="Cambria Math" panose="02040503050406030204" pitchFamily="18" charset="0"/>
-                            </a:rPr>
-                          </m:ctrlPr>
-                        </m:fPr>
-                        <m:num>
-                          <m:r>
-                            <a:rPr lang="ru-RU">
-                              <a:latin typeface="Cambria Math" panose="02040503050406030204" pitchFamily="18" charset="0"/>
-                            </a:rPr>
-                            <m:t>1</m:t>
-                          </m:r>
-                        </m:num>
-                        <m:den>
-                          <m:r>
-                            <a:rPr lang="ru-RU">
-                              <a:latin typeface="Cambria Math" panose="02040503050406030204" pitchFamily="18" charset="0"/>
-                            </a:rPr>
-                            <m:t>4</m:t>
-                          </m:r>
-                          <m:r>
-                            <a:rPr lang="ru-RU" i="1">
-                              <a:latin typeface="Cambria Math" panose="02040503050406030204" pitchFamily="18" charset="0"/>
-                            </a:rPr>
-                            <m:t>𝜋</m:t>
-                          </m:r>
-                        </m:den>
-                      </m:f>
-                      <m:d>
-                        <m:dPr>
-                          <m:ctrlPr>
-                            <a:rPr lang="ru-RU" i="1">
-                              <a:latin typeface="Cambria Math" panose="02040503050406030204" pitchFamily="18" charset="0"/>
-                            </a:rPr>
-                          </m:ctrlPr>
-                        </m:dPr>
-                        <m:e>
-                          <m:sSup>
-                            <m:sSupPr>
-                              <m:ctrlPr>
-                                <a:rPr lang="ru-RU" i="1">
-                                  <a:latin typeface="Cambria Math" panose="02040503050406030204" pitchFamily="18" charset="0"/>
-                                </a:rPr>
-                              </m:ctrlPr>
-                            </m:sSupPr>
-                            <m:e>
-                              <m:r>
-                                <a:rPr lang="ru-RU" i="1">
-                                  <a:latin typeface="Cambria Math" panose="02040503050406030204" pitchFamily="18" charset="0"/>
-                                </a:rPr>
-                                <m:t>𝜇</m:t>
-                              </m:r>
-                            </m:e>
-                            <m:sup>
-                              <m:d>
-                                <m:dPr>
-                                  <m:ctrlPr>
-                                    <a:rPr lang="ru-RU" i="1">
-                                      <a:latin typeface="Cambria Math" panose="02040503050406030204" pitchFamily="18" charset="0"/>
-                                    </a:rPr>
-                                  </m:ctrlPr>
-                                </m:dPr>
-                                <m:e>
-                                  <m:r>
-                                    <a:rPr lang="ru-RU">
-                                      <a:latin typeface="Cambria Math" panose="02040503050406030204" pitchFamily="18" charset="0"/>
-                                    </a:rPr>
-                                    <m:t>2</m:t>
-                                  </m:r>
-                                </m:e>
-                              </m:d>
-                            </m:sup>
-                          </m:sSup>
-                          <m:sSubSup>
-                            <m:sSubSupPr>
-                              <m:ctrlPr>
-                                <a:rPr lang="ru-RU" i="1">
-                                  <a:latin typeface="Cambria Math" panose="02040503050406030204" pitchFamily="18" charset="0"/>
-                                </a:rPr>
-                              </m:ctrlPr>
-                            </m:sSubSupPr>
-                            <m:e>
-                              <m:acc>
-                                <m:accPr>
-                                  <m:chr m:val="⃗"/>
-                                  <m:ctrlPr>
-                                    <a:rPr lang="ru-RU" i="1">
-                                      <a:latin typeface="Cambria Math" panose="02040503050406030204" pitchFamily="18" charset="0"/>
-                                    </a:rPr>
-                                  </m:ctrlPr>
-                                </m:accPr>
-                                <m:e>
-                                  <m:r>
-                                    <a:rPr lang="ru-RU" i="1">
-                                      <a:latin typeface="Cambria Math" panose="02040503050406030204" pitchFamily="18" charset="0"/>
-                                    </a:rPr>
-                                    <m:t>𝐻</m:t>
-                                  </m:r>
-                                </m:e>
-                              </m:acc>
-                            </m:e>
-                            <m:sub>
-                              <m:r>
-                                <a:rPr lang="ru-RU">
-                                  <a:latin typeface="Cambria Math" panose="02040503050406030204" pitchFamily="18" charset="0"/>
-                                </a:rPr>
-                                <m:t>0</m:t>
-                              </m:r>
-                            </m:sub>
-                            <m:sup>
-                              <m:d>
-                                <m:dPr>
-                                  <m:ctrlPr>
-                                    <a:rPr lang="ru-RU" i="1">
-                                      <a:latin typeface="Cambria Math" panose="02040503050406030204" pitchFamily="18" charset="0"/>
-                                    </a:rPr>
-                                  </m:ctrlPr>
-                                </m:dPr>
-                                <m:e>
-                                  <m:r>
-                                    <a:rPr lang="ru-RU">
-                                      <a:latin typeface="Cambria Math" panose="02040503050406030204" pitchFamily="18" charset="0"/>
-                                    </a:rPr>
-                                    <m:t>2</m:t>
-                                  </m:r>
-                                </m:e>
-                              </m:d>
-                            </m:sup>
-                          </m:sSubSup>
-                          <m:sSubSup>
-                            <m:sSubSupPr>
-                              <m:ctrlPr>
-                                <a:rPr lang="ru-RU" i="1">
-                                  <a:latin typeface="Cambria Math" panose="02040503050406030204" pitchFamily="18" charset="0"/>
-                                </a:rPr>
-                              </m:ctrlPr>
-                            </m:sSubSupPr>
-                            <m:e>
-                              <m:acc>
-                                <m:accPr>
-                                  <m:chr m:val="⃗"/>
-                                  <m:ctrlPr>
-                                    <a:rPr lang="ru-RU" i="1">
-                                      <a:latin typeface="Cambria Math" panose="02040503050406030204" pitchFamily="18" charset="0"/>
-                                    </a:rPr>
-                                  </m:ctrlPr>
-                                </m:accPr>
-                                <m:e>
-                                  <m:r>
-                                    <a:rPr lang="ru-RU" i="1">
-                                      <a:latin typeface="Cambria Math" panose="02040503050406030204" pitchFamily="18" charset="0"/>
-                                    </a:rPr>
-                                    <m:t>𝐻</m:t>
-                                  </m:r>
-                                </m:e>
-                              </m:acc>
-                            </m:e>
-                            <m:sub>
-                              <m:r>
-                                <a:rPr lang="ru-RU">
-                                  <a:latin typeface="Cambria Math" panose="02040503050406030204" pitchFamily="18" charset="0"/>
-                                </a:rPr>
-                                <m:t>1</m:t>
-                              </m:r>
-                            </m:sub>
-                            <m:sup>
-                              <m:d>
-                                <m:dPr>
-                                  <m:ctrlPr>
-                                    <a:rPr lang="ru-RU" i="1">
-                                      <a:latin typeface="Cambria Math" panose="02040503050406030204" pitchFamily="18" charset="0"/>
-                                    </a:rPr>
-                                  </m:ctrlPr>
-                                </m:dPr>
-                                <m:e>
-                                  <m:r>
-                                    <a:rPr lang="ru-RU">
-                                      <a:latin typeface="Cambria Math" panose="02040503050406030204" pitchFamily="18" charset="0"/>
-                                    </a:rPr>
-                                    <m:t>2</m:t>
-                                  </m:r>
-                                </m:e>
-                              </m:d>
-                            </m:sup>
-                          </m:sSubSup>
-                          <m:r>
-                            <a:rPr lang="ru-RU">
-                              <a:latin typeface="Cambria Math" panose="02040503050406030204" pitchFamily="18" charset="0"/>
-                            </a:rPr>
-                            <m:t>−</m:t>
-                          </m:r>
-                          <m:sSup>
-                            <m:sSupPr>
-                              <m:ctrlPr>
-                                <a:rPr lang="ru-RU" i="1">
-                                  <a:latin typeface="Cambria Math" panose="02040503050406030204" pitchFamily="18" charset="0"/>
-                                </a:rPr>
-                              </m:ctrlPr>
-                            </m:sSupPr>
-                            <m:e>
-                              <m:r>
-                                <a:rPr lang="ru-RU" i="1">
-                                  <a:latin typeface="Cambria Math" panose="02040503050406030204" pitchFamily="18" charset="0"/>
-                                </a:rPr>
-                                <m:t>𝜇</m:t>
-                              </m:r>
-                            </m:e>
-                            <m:sup>
-                              <m:d>
-                                <m:dPr>
-                                  <m:ctrlPr>
-                                    <a:rPr lang="ru-RU" i="1">
-                                      <a:latin typeface="Cambria Math" panose="02040503050406030204" pitchFamily="18" charset="0"/>
-                                    </a:rPr>
-                                  </m:ctrlPr>
-                                </m:dPr>
-                                <m:e>
-                                  <m:r>
-                                    <a:rPr lang="ru-RU">
-                                      <a:latin typeface="Cambria Math" panose="02040503050406030204" pitchFamily="18" charset="0"/>
-                                    </a:rPr>
-                                    <m:t>1</m:t>
-                                  </m:r>
-                                </m:e>
-                              </m:d>
-                            </m:sup>
-                          </m:sSup>
-                          <m:sSubSup>
-                            <m:sSubSupPr>
-                              <m:ctrlPr>
-                                <a:rPr lang="ru-RU" i="1">
-                                  <a:latin typeface="Cambria Math" panose="02040503050406030204" pitchFamily="18" charset="0"/>
-                                </a:rPr>
-                              </m:ctrlPr>
-                            </m:sSubSupPr>
-                            <m:e>
-                              <m:acc>
-                                <m:accPr>
-                                  <m:chr m:val="⃗"/>
-                                  <m:ctrlPr>
-                                    <a:rPr lang="ru-RU" i="1">
-                                      <a:latin typeface="Cambria Math" panose="02040503050406030204" pitchFamily="18" charset="0"/>
-                                    </a:rPr>
-                                  </m:ctrlPr>
-                                </m:accPr>
-                                <m:e>
-                                  <m:r>
-                                    <a:rPr lang="ru-RU" i="1">
-                                      <a:latin typeface="Cambria Math" panose="02040503050406030204" pitchFamily="18" charset="0"/>
-                                    </a:rPr>
-                                    <m:t>𝐻</m:t>
-                                  </m:r>
-                                </m:e>
-                              </m:acc>
-                            </m:e>
-                            <m:sub>
-                              <m:r>
-                                <a:rPr lang="ru-RU">
-                                  <a:latin typeface="Cambria Math" panose="02040503050406030204" pitchFamily="18" charset="0"/>
-                                </a:rPr>
-                                <m:t>0</m:t>
-                              </m:r>
-                            </m:sub>
-                            <m:sup>
-                              <m:d>
-                                <m:dPr>
-                                  <m:ctrlPr>
-                                    <a:rPr lang="ru-RU" i="1">
-                                      <a:latin typeface="Cambria Math" panose="02040503050406030204" pitchFamily="18" charset="0"/>
-                                    </a:rPr>
-                                  </m:ctrlPr>
-                                </m:dPr>
-                                <m:e>
-                                  <m:r>
-                                    <a:rPr lang="ru-RU">
-                                      <a:latin typeface="Cambria Math" panose="02040503050406030204" pitchFamily="18" charset="0"/>
-                                    </a:rPr>
-                                    <m:t>1</m:t>
-                                  </m:r>
-                                </m:e>
-                              </m:d>
-                            </m:sup>
-                          </m:sSubSup>
-                          <m:sSubSup>
-                            <m:sSubSupPr>
-                              <m:ctrlPr>
-                                <a:rPr lang="ru-RU" i="1">
-                                  <a:latin typeface="Cambria Math" panose="02040503050406030204" pitchFamily="18" charset="0"/>
-                                </a:rPr>
-                              </m:ctrlPr>
-                            </m:sSubSupPr>
-                            <m:e>
-                              <m:acc>
-                                <m:accPr>
-                                  <m:chr m:val="⃗"/>
-                                  <m:ctrlPr>
-                                    <a:rPr lang="ru-RU" i="1">
-                                      <a:latin typeface="Cambria Math" panose="02040503050406030204" pitchFamily="18" charset="0"/>
-                                    </a:rPr>
-                                  </m:ctrlPr>
-                                </m:accPr>
-                                <m:e>
-                                  <m:r>
-                                    <a:rPr lang="ru-RU" i="1">
-                                      <a:latin typeface="Cambria Math" panose="02040503050406030204" pitchFamily="18" charset="0"/>
-                                    </a:rPr>
-                                    <m:t>𝐻</m:t>
-                                  </m:r>
-                                </m:e>
-                              </m:acc>
-                            </m:e>
-                            <m:sub>
-                              <m:r>
-                                <a:rPr lang="ru-RU">
-                                  <a:latin typeface="Cambria Math" panose="02040503050406030204" pitchFamily="18" charset="0"/>
-                                </a:rPr>
-                                <m:t>1</m:t>
-                              </m:r>
-                            </m:sub>
-                            <m:sup>
-                              <m:d>
-                                <m:dPr>
-                                  <m:ctrlPr>
-                                    <a:rPr lang="ru-RU" i="1">
-                                      <a:latin typeface="Cambria Math" panose="02040503050406030204" pitchFamily="18" charset="0"/>
-                                    </a:rPr>
-                                  </m:ctrlPr>
-                                </m:dPr>
-                                <m:e>
-                                  <m:r>
-                                    <a:rPr lang="ru-RU">
-                                      <a:latin typeface="Cambria Math" panose="02040503050406030204" pitchFamily="18" charset="0"/>
-                                    </a:rPr>
-                                    <m:t>1</m:t>
-                                  </m:r>
-                                </m:e>
-                              </m:d>
-                            </m:sup>
-                          </m:sSubSup>
-                        </m:e>
-                      </m:d>
-                    </m:oMath>
-                  </m:oMathPara>
-                </a14:m>
-                <a:endParaRPr lang="ru-RU" sz="1600" dirty="0"/>
-              </a:p>
-            </p:txBody>
-          </p:sp>
-        </mc:Choice>
-        <mc:Fallback xmlns="">
-          <p:sp>
-            <p:nvSpPr>
-              <p:cNvPr id="12" name="Прямоугольник 11"/>
-              <p:cNvSpPr>
-                <a:spLocks noRot="1" noChangeAspect="1" noMove="1" noResize="1" noEditPoints="1" noAdjustHandles="1" noChangeArrowheads="1" noChangeShapeType="1" noTextEdit="1"/>
-              </p:cNvSpPr>
-              <p:nvPr/>
-            </p:nvSpPr>
-            <p:spPr>
-              <a:xfrm>
-                <a:off x="7696174" y="4518235"/>
-                <a:ext cx="4193392" cy="612796"/>
-              </a:xfrm>
-              <a:prstGeom prst="rect">
-                <a:avLst/>
-              </a:prstGeom>
-              <a:blipFill>
-                <a:blip r:embed="rId5"/>
-                <a:stretch>
-                  <a:fillRect/>
-                </a:stretch>
-              </a:blipFill>
-            </p:spPr>
-            <p:txBody>
-              <a:bodyPr/>
-              <a:lstStyle/>
-              <a:p>
-                <a:r>
-                  <a:rPr lang="ru-RU">
-                    <a:noFill/>
-                  </a:rPr>
-                  <a:t> </a:t>
-                </a:r>
-              </a:p>
-            </p:txBody>
-          </p:sp>
-        </mc:Fallback>
-      </mc:AlternateContent>
       <p:sp>
         <p:nvSpPr>
           <p:cNvPr id="15" name="TextBox 14"/>
@@ -5263,8 +3833,8 @@
         </p:nvSpPr>
         <p:spPr>
           <a:xfrm>
-            <a:off x="190500" y="5910401"/>
-            <a:ext cx="6783544" cy="707886"/>
+            <a:off x="0" y="5648464"/>
+            <a:ext cx="12192000" cy="707886"/>
           </a:xfrm>
           <a:prstGeom prst="rect">
             <a:avLst/>
@@ -5279,7 +3849,7 @@
           <a:p>
             <a:pPr algn="ctr"/>
             <a:r>
-              <a:rPr lang="ru-RU" sz="2000" i="1" dirty="0" smtClean="0">
+              <a:rPr lang="ru-RU" sz="2000" dirty="0" smtClean="0">
                 <a:solidFill>
                   <a:schemeClr val="tx1"/>
                 </a:solidFill>
@@ -5288,7 +3858,7 @@
               <a:t>Рис. </a:t>
             </a:r>
             <a:r>
-              <a:rPr lang="en-US" sz="2000" i="1" dirty="0" smtClean="0">
+              <a:rPr lang="en-US" sz="2000" dirty="0" smtClean="0">
                 <a:solidFill>
                   <a:schemeClr val="tx1"/>
                 </a:solidFill>
@@ -5297,7 +3867,7 @@
               <a:t>5</a:t>
             </a:r>
             <a:r>
-              <a:rPr lang="ru-RU" sz="2000" i="1" dirty="0" smtClean="0">
+              <a:rPr lang="ru-RU" sz="2000" dirty="0" smtClean="0">
                 <a:solidFill>
                   <a:schemeClr val="tx1"/>
                 </a:solidFill>
@@ -5306,7 +3876,7 @@
               <a:t>.</a:t>
             </a:r>
             <a:r>
-              <a:rPr lang="en-US" sz="2000" i="1" dirty="0" smtClean="0">
+              <a:rPr lang="en-US" sz="2000" dirty="0" smtClean="0">
                 <a:solidFill>
                   <a:schemeClr val="tx1"/>
                 </a:solidFill>
@@ -5315,15 +3885,12 @@
               <a:t> </a:t>
             </a:r>
             <a:r>
-              <a:rPr lang="ru-RU" sz="2000" i="1" dirty="0" smtClean="0">
-                <a:solidFill>
-                  <a:schemeClr val="tx1"/>
-                </a:solidFill>
+              <a:rPr lang="ru-RU" sz="2000" dirty="0">
                 <a:cs typeface="Arial" panose="020B0604020202020204" pitchFamily="34" charset="0"/>
               </a:rPr>
-              <a:t>Распределение давления магнитного поля на поверхности магнитной жидкости</a:t>
+              <a:t>Выравнивание линий полной напряжённости магнитного поля в жидкости при увеличении напряжённости внешнего магнитного поля</a:t>
             </a:r>
-            <a:endParaRPr lang="ru-RU" sz="2000" i="1" dirty="0">
+            <a:endParaRPr lang="ru-RU" sz="2000" dirty="0">
               <a:solidFill>
                 <a:schemeClr val="tx1"/>
               </a:solidFill>
@@ -5332,54 +3899,6 @@
           </a:p>
         </p:txBody>
       </p:sp>
-      <p:pic>
-        <p:nvPicPr>
-          <p:cNvPr id="16" name="Рисунок 15"/>
-          <p:cNvPicPr>
-            <a:picLocks noChangeAspect="1"/>
-          </p:cNvPicPr>
-          <p:nvPr/>
-        </p:nvPicPr>
-        <p:blipFill>
-          <a:blip r:embed="rId6"/>
-          <a:stretch>
-            <a:fillRect/>
-          </a:stretch>
-        </p:blipFill>
-        <p:spPr>
-          <a:xfrm>
-            <a:off x="316901" y="876126"/>
-            <a:ext cx="6657143" cy="2047619"/>
-          </a:xfrm>
-          <a:prstGeom prst="rect">
-            <a:avLst/>
-          </a:prstGeom>
-        </p:spPr>
-      </p:pic>
-      <p:pic>
-        <p:nvPicPr>
-          <p:cNvPr id="17" name="Рисунок 16"/>
-          <p:cNvPicPr>
-            <a:picLocks noChangeAspect="1"/>
-          </p:cNvPicPr>
-          <p:nvPr/>
-        </p:nvPicPr>
-        <p:blipFill>
-          <a:blip r:embed="rId7"/>
-          <a:stretch>
-            <a:fillRect/>
-          </a:stretch>
-        </p:blipFill>
-        <p:spPr>
-          <a:xfrm>
-            <a:off x="302616" y="3579551"/>
-            <a:ext cx="6647619" cy="1876190"/>
-          </a:xfrm>
-          <a:prstGeom prst="rect">
-            <a:avLst/>
-          </a:prstGeom>
-        </p:spPr>
-      </p:pic>
       <p:sp>
         <p:nvSpPr>
           <p:cNvPr id="19" name="Номер слайда 9"/>
@@ -5420,6 +3939,39 @@
           </a:p>
         </p:txBody>
       </p:sp>
+      <p:pic>
+        <p:nvPicPr>
+          <p:cNvPr id="13" name="Рисунок 12"/>
+          <p:cNvPicPr/>
+          <p:nvPr/>
+        </p:nvPicPr>
+        <p:blipFill>
+          <a:blip r:embed="rId2">
+            <a:extLst>
+              <a:ext uri="{28A0092B-C50C-407E-A947-70E740481C1C}">
+                <a14:useLocalDpi xmlns:a14="http://schemas.microsoft.com/office/drawing/2010/main" val="0"/>
+              </a:ext>
+            </a:extLst>
+          </a:blip>
+          <a:srcRect/>
+          <a:stretch>
+            <a:fillRect/>
+          </a:stretch>
+        </p:blipFill>
+        <p:spPr bwMode="auto">
+          <a:xfrm>
+            <a:off x="3230204" y="988722"/>
+            <a:ext cx="5731591" cy="4197968"/>
+          </a:xfrm>
+          <a:prstGeom prst="rect">
+            <a:avLst/>
+          </a:prstGeom>
+          <a:noFill/>
+          <a:ln>
+            <a:noFill/>
+          </a:ln>
+        </p:spPr>
+      </p:pic>
     </p:spTree>
     <p:extLst>
       <p:ext uri="{BB962C8B-B14F-4D97-AF65-F5344CB8AC3E}">
@@ -5748,8 +4300,8 @@
           </a:p>
         </p:txBody>
       </p:sp>
-      <mc:AlternateContent xmlns:mc="http://schemas.openxmlformats.org/markup-compatibility/2006" xmlns:a14="http://schemas.microsoft.com/office/drawing/2010/main">
-        <mc:Choice Requires="a14">
+      <mc:AlternateContent xmlns:mc="http://schemas.openxmlformats.org/markup-compatibility/2006">
+        <mc:Choice xmlns:a14="http://schemas.microsoft.com/office/drawing/2010/main" Requires="a14">
           <p:sp>
             <p:nvSpPr>
               <p:cNvPr id="8" name="TextBox 7"/>
@@ -5759,7 +4311,7 @@
             <p:spPr>
               <a:xfrm>
                 <a:off x="215900" y="5742120"/>
-                <a:ext cx="9537700" cy="707886"/>
+                <a:ext cx="8937368" cy="707886"/>
               </a:xfrm>
               <a:prstGeom prst="rect">
                 <a:avLst/>
@@ -5774,30 +4326,57 @@
               <a:p>
                 <a:pPr algn="ctr"/>
                 <a:r>
-                  <a:rPr lang="ru-RU" sz="2000" i="1" dirty="0" smtClean="0">
+                  <a:rPr lang="ru-RU" sz="2000" dirty="0" smtClean="0">
                     <a:solidFill>
                       <a:schemeClr val="tx1"/>
                     </a:solidFill>
                     <a:cs typeface="Arial" panose="020B0604020202020204" pitchFamily="34" charset="0"/>
                   </a:rPr>
-                  <a:t>Рис. 1. Условное изображение слоя магнитной жидкости, по поверхности которого бежит гравитационно-капиллярная волна с амплитудой </a:t>
+                  <a:t>Рис. 1. </a:t>
+                </a:r>
+                <a:r>
+                  <a:rPr lang="ru-RU" sz="2000" dirty="0" smtClean="0">
+                    <a:cs typeface="Arial" panose="020B0604020202020204" pitchFamily="34" charset="0"/>
+                  </a:rPr>
+                  <a:t>Схематичное </a:t>
+                </a:r>
+                <a:r>
+                  <a:rPr lang="ru-RU" sz="2000" dirty="0" smtClean="0">
+                    <a:solidFill>
+                      <a:schemeClr val="tx1"/>
+                    </a:solidFill>
+                    <a:cs typeface="Arial" panose="020B0604020202020204" pitchFamily="34" charset="0"/>
+                  </a:rPr>
+                  <a:t>изображение </a:t>
+                </a:r>
+                <a:r>
+                  <a:rPr lang="ru-RU" sz="2000" dirty="0" smtClean="0">
+                    <a:solidFill>
+                      <a:schemeClr val="tx1"/>
+                    </a:solidFill>
+                    <a:cs typeface="Arial" panose="020B0604020202020204" pitchFamily="34" charset="0"/>
+                  </a:rPr>
+                  <a:t>слоя магнитной жидкости, по поверхности которого бежит гравитационно-капиллярная волна с амплитудой </a:t>
                 </a:r>
                 <a14:m>
                   <m:oMath xmlns:m="http://schemas.openxmlformats.org/officeDocument/2006/math">
                     <m:r>
-                      <a:rPr lang="en-US" sz="2000" b="0" i="1" smtClean="0">
+                      <m:rPr>
+                        <m:sty m:val="p"/>
+                      </m:rPr>
+                      <a:rPr lang="en-US" sz="2000" b="0" i="0" smtClean="0">
                         <a:solidFill>
                           <a:schemeClr val="tx1"/>
                         </a:solidFill>
                         <a:latin typeface="Cambria Math" panose="02040503050406030204" pitchFamily="18" charset="0"/>
                         <a:cs typeface="Arial" panose="020B0604020202020204" pitchFamily="34" charset="0"/>
                       </a:rPr>
-                      <m:t>𝑎</m:t>
+                      <m:t>a</m:t>
                     </m:r>
                   </m:oMath>
                 </a14:m>
                 <a:r>
-                  <a:rPr lang="ru-RU" sz="2000" i="1" dirty="0" smtClean="0">
+                  <a:rPr lang="ru-RU" sz="2000" dirty="0" smtClean="0">
                     <a:solidFill>
                       <a:schemeClr val="tx1"/>
                     </a:solidFill>
@@ -5808,7 +4387,10 @@
                 <a14:m>
                   <m:oMath xmlns:m="http://schemas.openxmlformats.org/officeDocument/2006/math">
                     <m:r>
-                      <a:rPr lang="ru-RU" sz="2000" i="1" smtClean="0">
+                      <m:rPr>
+                        <m:sty m:val="p"/>
+                      </m:rPr>
+                      <a:rPr lang="ru-RU" sz="2000" i="0" smtClean="0">
                         <a:solidFill>
                           <a:schemeClr val="tx1"/>
                         </a:solidFill>
@@ -5816,11 +4398,11 @@
                         <a:ea typeface="Cambria Math" panose="02040503050406030204" pitchFamily="18" charset="0"/>
                         <a:cs typeface="Arial" panose="020B0604020202020204" pitchFamily="34" charset="0"/>
                       </a:rPr>
-                      <m:t>𝜆</m:t>
+                      <m:t>λ</m:t>
                     </m:r>
                   </m:oMath>
                 </a14:m>
-                <a:endParaRPr lang="ru-RU" sz="2000" i="1" dirty="0">
+                <a:endParaRPr lang="ru-RU" sz="2000" dirty="0">
                   <a:solidFill>
                     <a:schemeClr val="tx1"/>
                   </a:solidFill>
@@ -5830,7 +4412,7 @@
             </p:txBody>
           </p:sp>
         </mc:Choice>
-        <mc:Fallback xmlns="">
+        <mc:Fallback>
           <p:sp>
             <p:nvSpPr>
               <p:cNvPr id="8" name="TextBox 7"/>
@@ -5842,15 +4424,15 @@
             <p:spPr>
               <a:xfrm>
                 <a:off x="215900" y="5742120"/>
-                <a:ext cx="9537700" cy="707886"/>
+                <a:ext cx="8937368" cy="707886"/>
               </a:xfrm>
               <a:prstGeom prst="rect">
                 <a:avLst/>
               </a:prstGeom>
               <a:blipFill>
-                <a:blip r:embed="rId3"/>
+                <a:blip r:embed="rId2"/>
                 <a:stretch>
-                  <a:fillRect l="-639" t="-5172" r="-1086" b="-14655"/>
+                  <a:fillRect t="-5172" b="-14655"/>
                 </a:stretch>
               </a:blipFill>
             </p:spPr>
@@ -6536,8 +5118,8 @@
           </a:p>
         </p:txBody>
       </p:sp>
-      <mc:AlternateContent xmlns:mc="http://schemas.openxmlformats.org/markup-compatibility/2006" xmlns:a14="http://schemas.microsoft.com/office/drawing/2010/main">
-        <mc:Choice Requires="a14">
+      <mc:AlternateContent xmlns:mc="http://schemas.openxmlformats.org/markup-compatibility/2006">
+        <mc:Choice xmlns:a14="http://schemas.microsoft.com/office/drawing/2010/main" Requires="a14">
           <p:sp>
             <p:nvSpPr>
               <p:cNvPr id="7" name="TextBox 6"/>
@@ -6562,7 +5144,7 @@
               <a:p>
                 <a:pPr algn="ctr"/>
                 <a:r>
-                  <a:rPr lang="ru-RU" sz="2000" i="1" dirty="0" smtClean="0">
+                  <a:rPr lang="ru-RU" sz="2000" dirty="0" smtClean="0">
                     <a:solidFill>
                       <a:schemeClr val="tx1"/>
                     </a:solidFill>
@@ -6571,7 +5153,7 @@
                   <a:t>Рис. </a:t>
                 </a:r>
                 <a:r>
-                  <a:rPr lang="en-US" sz="2000" i="1" dirty="0" smtClean="0">
+                  <a:rPr lang="en-US" sz="2000" dirty="0" smtClean="0">
                     <a:solidFill>
                       <a:schemeClr val="tx1"/>
                     </a:solidFill>
@@ -6580,22 +5162,46 @@
                   <a:t>2</a:t>
                 </a:r>
                 <a:r>
-                  <a:rPr lang="ru-RU" sz="2000" i="1" dirty="0" smtClean="0">
+                  <a:rPr lang="ru-RU" sz="2000" dirty="0" smtClean="0">
                     <a:solidFill>
                       <a:schemeClr val="tx1"/>
                     </a:solidFill>
                     <a:cs typeface="Arial" panose="020B0604020202020204" pitchFamily="34" charset="0"/>
                   </a:rPr>
-                  <a:t>. Условное изображение фрагмента цилиндрическо</a:t>
+                  <a:t>. </a:t>
                 </a:r>
                 <a:r>
-                  <a:rPr lang="ru-RU" sz="2000" i="1" dirty="0">
+                  <a:rPr lang="ru-RU" sz="2000" dirty="0">
+                    <a:cs typeface="Arial" panose="020B0604020202020204" pitchFamily="34" charset="0"/>
+                  </a:rPr>
+                  <a:t>Схематичное </a:t>
+                </a:r>
+                <a:r>
+                  <a:rPr lang="ru-RU" sz="2000" dirty="0" smtClean="0">
+                    <a:solidFill>
+                      <a:schemeClr val="tx1"/>
+                    </a:solidFill>
+                    <a:cs typeface="Arial" panose="020B0604020202020204" pitchFamily="34" charset="0"/>
+                  </a:rPr>
+                  <a:t>изображение </a:t>
+                </a:r>
+                <a:r>
+                  <a:rPr lang="ru-RU" sz="2000" dirty="0" smtClean="0">
+                    <a:solidFill>
+                      <a:schemeClr val="tx1"/>
+                    </a:solidFill>
+                    <a:cs typeface="Arial" panose="020B0604020202020204" pitchFamily="34" charset="0"/>
+                  </a:rPr>
+                  <a:t>фрагмента цилиндрическо</a:t>
+                </a:r>
+                <a:r>
+                  <a:rPr lang="ru-RU" sz="2000" dirty="0">
                     <a:cs typeface="Arial" panose="020B0604020202020204" pitchFamily="34" charset="0"/>
                   </a:rPr>
                   <a:t>й</a:t>
                 </a:r>
                 <a:r>
-                  <a:rPr lang="ru-RU" sz="2000" i="1" dirty="0" smtClean="0">
+                  <a:rPr lang="ru-RU" sz="2000" dirty="0" smtClean="0">
                     <a:solidFill>
                       <a:schemeClr val="tx1"/>
                     </a:solidFill>
@@ -6606,19 +5212,22 @@
                 <a14:m>
                   <m:oMath xmlns:m="http://schemas.openxmlformats.org/officeDocument/2006/math">
                     <m:r>
-                      <a:rPr lang="en-US" sz="2000" b="0" i="1" smtClean="0">
+                      <m:rPr>
+                        <m:sty m:val="p"/>
+                      </m:rPr>
+                      <a:rPr lang="en-US" sz="2000" b="0" i="0" smtClean="0">
                         <a:solidFill>
                           <a:schemeClr val="tx1"/>
                         </a:solidFill>
                         <a:latin typeface="Cambria Math" panose="02040503050406030204" pitchFamily="18" charset="0"/>
                         <a:cs typeface="Arial" panose="020B0604020202020204" pitchFamily="34" charset="0"/>
                       </a:rPr>
-                      <m:t>𝑎</m:t>
+                      <m:t>a</m:t>
                     </m:r>
                   </m:oMath>
                 </a14:m>
                 <a:r>
-                  <a:rPr lang="ru-RU" sz="2000" i="1" dirty="0" smtClean="0">
+                  <a:rPr lang="ru-RU" sz="2000" dirty="0" smtClean="0">
                     <a:solidFill>
                       <a:schemeClr val="tx1"/>
                     </a:solidFill>
@@ -6629,7 +5238,10 @@
                 <a14:m>
                   <m:oMath xmlns:m="http://schemas.openxmlformats.org/officeDocument/2006/math">
                     <m:r>
-                      <a:rPr lang="ru-RU" sz="2000" i="1" smtClean="0">
+                      <m:rPr>
+                        <m:sty m:val="p"/>
+                      </m:rPr>
+                      <a:rPr lang="ru-RU" sz="2000" i="0" smtClean="0">
                         <a:solidFill>
                           <a:schemeClr val="tx1"/>
                         </a:solidFill>
@@ -6637,11 +5249,11 @@
                         <a:ea typeface="Cambria Math" panose="02040503050406030204" pitchFamily="18" charset="0"/>
                         <a:cs typeface="Arial" panose="020B0604020202020204" pitchFamily="34" charset="0"/>
                       </a:rPr>
-                      <m:t>𝜆</m:t>
+                      <m:t>λ</m:t>
                     </m:r>
                   </m:oMath>
                 </a14:m>
-                <a:endParaRPr lang="ru-RU" sz="2000" i="1" dirty="0">
+                <a:endParaRPr lang="ru-RU" sz="2000" dirty="0">
                   <a:solidFill>
                     <a:schemeClr val="tx1"/>
                   </a:solidFill>
@@ -6651,7 +5263,7 @@
             </p:txBody>
           </p:sp>
         </mc:Choice>
-        <mc:Fallback xmlns="">
+        <mc:Fallback>
           <p:sp>
             <p:nvSpPr>
               <p:cNvPr id="7" name="TextBox 6"/>
@@ -8640,8 +7252,8 @@
           </a:p>
         </p:txBody>
       </p:sp>
-      <mc:AlternateContent xmlns:mc="http://schemas.openxmlformats.org/markup-compatibility/2006" xmlns:a14="http://schemas.microsoft.com/office/drawing/2010/main">
-        <mc:Choice Requires="a14">
+      <mc:AlternateContent xmlns:mc="http://schemas.openxmlformats.org/markup-compatibility/2006">
+        <mc:Choice xmlns:a14="http://schemas.microsoft.com/office/drawing/2010/main" Requires="a14">
           <p:sp>
             <p:nvSpPr>
               <p:cNvPr id="30" name="TextBox 29"/>
@@ -8752,6 +7364,10 @@
                 <a:r>
                   <a:rPr lang="ru-RU" sz="2000" dirty="0" smtClean="0"/>
                   <a:t>	  </a:t>
+                </a:r>
+                <a:r>
+                  <a:rPr lang="ru-RU" sz="2000" dirty="0" smtClean="0"/>
+                  <a:t>	</a:t>
                 </a:r>
                 <a14:m>
                   <m:oMath xmlns:m="http://schemas.openxmlformats.org/officeDocument/2006/math">
@@ -8910,6 +7526,10 @@
                   <a:rPr lang="ru-RU" sz="2000" dirty="0" smtClean="0"/>
                   <a:t>	  </a:t>
                 </a:r>
+                <a:r>
+                  <a:rPr lang="ru-RU" sz="2000" dirty="0" smtClean="0"/>
+                  <a:t>	</a:t>
+                </a:r>
                 <a14:m>
                   <m:oMath xmlns:m="http://schemas.openxmlformats.org/officeDocument/2006/math">
                     <m:eqArr>
@@ -9052,6 +7672,10 @@
                   <a:rPr lang="ru-RU" sz="2000" dirty="0" smtClean="0"/>
                   <a:t>	  </a:t>
                 </a:r>
+                <a:r>
+                  <a:rPr lang="ru-RU" sz="2000" dirty="0" smtClean="0"/>
+                  <a:t>	</a:t>
+                </a:r>
                 <a14:m>
                   <m:oMath xmlns:m="http://schemas.openxmlformats.org/officeDocument/2006/math">
                     <m:eqArr>
@@ -9095,7 +7719,7 @@
             </p:txBody>
           </p:sp>
         </mc:Choice>
-        <mc:Fallback xmlns="">
+        <mc:Fallback>
           <p:sp>
             <p:nvSpPr>
               <p:cNvPr id="30" name="TextBox 29"/>
@@ -12652,8 +11276,8 @@
           </a:p>
         </p:txBody>
       </p:sp>
-      <mc:AlternateContent xmlns:mc="http://schemas.openxmlformats.org/markup-compatibility/2006" xmlns:a14="http://schemas.microsoft.com/office/drawing/2010/main">
-        <mc:Choice Requires="a14">
+      <mc:AlternateContent xmlns:mc="http://schemas.openxmlformats.org/markup-compatibility/2006">
+        <mc:Choice xmlns:a14="http://schemas.microsoft.com/office/drawing/2010/main" Requires="a14">
           <p:sp>
             <p:nvSpPr>
               <p:cNvPr id="6" name="Прямоугольник 5"/>
@@ -12663,7 +11287,7 @@
             <p:spPr>
               <a:xfrm>
                 <a:off x="170654" y="1490017"/>
-                <a:ext cx="7519985" cy="1169038"/>
+                <a:ext cx="8249446" cy="1169038"/>
               </a:xfrm>
               <a:prstGeom prst="rect">
                 <a:avLst/>
@@ -12708,7 +11332,7 @@
                 <a14:m>
                   <m:oMathPara xmlns:m="http://schemas.openxmlformats.org/officeDocument/2006/math">
                     <m:oMathParaPr>
-                      <m:jc m:val="centerGroup"/>
+                      <m:jc m:val="center"/>
                     </m:oMathParaPr>
                     <m:oMath xmlns:m="http://schemas.openxmlformats.org/officeDocument/2006/math">
                       <m:sSup>
@@ -13201,6 +11825,24 @@
                           </m:sSub>
                         </m:den>
                       </m:f>
+                      <m:r>
+                        <a:rPr lang="ru-RU" sz="2200" b="0" i="1" smtClean="0">
+                          <a:latin typeface="Cambria Math" panose="02040503050406030204" pitchFamily="18" charset="0"/>
+                        </a:rPr>
+                        <m:t>     </m:t>
+                      </m:r>
+                      <m:r>
+                        <a:rPr lang="ru-RU" sz="2200" i="1">
+                          <a:latin typeface="Cambria Math" panose="02040503050406030204" pitchFamily="18" charset="0"/>
+                        </a:rPr>
+                        <m:t>(12</m:t>
+                      </m:r>
+                      <m:r>
+                        <a:rPr lang="ru-RU" sz="2200" i="1">
+                          <a:latin typeface="Cambria Math" panose="02040503050406030204" pitchFamily="18" charset="0"/>
+                        </a:rPr>
+                        <m:t>)</m:t>
+                      </m:r>
                     </m:oMath>
                   </m:oMathPara>
                 </a14:m>
@@ -13217,7 +11859,7 @@
             </p:txBody>
           </p:sp>
         </mc:Choice>
-        <mc:Fallback xmlns="">
+        <mc:Fallback>
           <p:sp>
             <p:nvSpPr>
               <p:cNvPr id="6" name="Прямоугольник 5"/>
@@ -13229,7 +11871,7 @@
             <p:spPr>
               <a:xfrm>
                 <a:off x="170654" y="1490017"/>
-                <a:ext cx="7519985" cy="1169038"/>
+                <a:ext cx="8249446" cy="1169038"/>
               </a:xfrm>
               <a:prstGeom prst="rect">
                 <a:avLst/>
@@ -14359,7 +13001,7 @@
           <a:p>
             <a:pPr algn="ctr"/>
             <a:r>
-              <a:rPr lang="ru-RU" sz="2000" i="1" dirty="0" smtClean="0">
+              <a:rPr lang="ru-RU" sz="2000" dirty="0" smtClean="0">
                 <a:solidFill>
                   <a:schemeClr val="tx1"/>
                 </a:solidFill>
@@ -14368,13 +13010,13 @@
               <a:t>Рис. </a:t>
             </a:r>
             <a:r>
-              <a:rPr lang="ru-RU" sz="2000" i="1" dirty="0" smtClean="0">
+              <a:rPr lang="ru-RU" sz="2000" dirty="0" smtClean="0">
                 <a:cs typeface="Arial" panose="020B0604020202020204" pitchFamily="34" charset="0"/>
               </a:rPr>
               <a:t>3</a:t>
             </a:r>
             <a:r>
-              <a:rPr lang="ru-RU" sz="2000" i="1" dirty="0" smtClean="0">
+              <a:rPr lang="ru-RU" sz="2000" dirty="0" smtClean="0">
                 <a:solidFill>
                   <a:schemeClr val="tx1"/>
                 </a:solidFill>
@@ -14383,7 +13025,7 @@
               <a:t>.</a:t>
             </a:r>
             <a:r>
-              <a:rPr lang="en-US" sz="2000" i="1" dirty="0" smtClean="0">
+              <a:rPr lang="en-US" sz="2000" dirty="0" smtClean="0">
                 <a:solidFill>
                   <a:schemeClr val="tx1"/>
                 </a:solidFill>
@@ -14392,7 +13034,7 @@
               <a:t> </a:t>
             </a:r>
             <a:r>
-              <a:rPr lang="ru-RU" sz="2000" i="1" dirty="0" smtClean="0">
+              <a:rPr lang="ru-RU" sz="2000" dirty="0" smtClean="0">
                 <a:solidFill>
                   <a:schemeClr val="tx1"/>
                 </a:solidFill>
@@ -14400,7 +13042,7 @@
               </a:rPr>
               <a:t>График зависимости квадрата безразмерной частоты от безразмерного волнового числа для осесимметричных возмущений</a:t>
             </a:r>
-            <a:endParaRPr lang="ru-RU" sz="2000" i="1" dirty="0">
+            <a:endParaRPr lang="ru-RU" sz="2000" dirty="0">
               <a:solidFill>
                 <a:schemeClr val="tx1"/>
               </a:solidFill>
@@ -14588,18 +13230,128 @@
           </a:p>
         </p:txBody>
       </p:sp>
-      <mc:AlternateContent xmlns:mc="http://schemas.openxmlformats.org/markup-compatibility/2006" xmlns:a14="http://schemas.microsoft.com/office/drawing/2010/main">
-        <mc:Choice Requires="a14">
+      <p:sp>
+        <p:nvSpPr>
+          <p:cNvPr id="10" name="TextBox 9"/>
+          <p:cNvSpPr txBox="1"/>
+          <p:nvPr/>
+        </p:nvSpPr>
+        <p:spPr>
+          <a:xfrm>
+            <a:off x="0" y="5648464"/>
+            <a:ext cx="12192000" cy="707886"/>
+          </a:xfrm>
+          <a:prstGeom prst="rect">
+            <a:avLst/>
+          </a:prstGeom>
+          <a:noFill/>
+        </p:spPr>
+        <p:txBody>
+          <a:bodyPr wrap="square" rtlCol="0">
+            <a:spAutoFit/>
+          </a:bodyPr>
+          <a:lstStyle/>
+          <a:p>
+            <a:pPr algn="ctr"/>
+            <a:r>
+              <a:rPr lang="ru-RU" sz="2000" dirty="0" smtClean="0">
+                <a:solidFill>
+                  <a:schemeClr val="tx1"/>
+                </a:solidFill>
+                <a:cs typeface="Arial" panose="020B0604020202020204" pitchFamily="34" charset="0"/>
+              </a:rPr>
+              <a:t>Рис. </a:t>
+            </a:r>
+            <a:r>
+              <a:rPr lang="en-US" sz="2000" dirty="0">
+                <a:cs typeface="Arial" panose="020B0604020202020204" pitchFamily="34" charset="0"/>
+              </a:rPr>
+              <a:t>4</a:t>
+            </a:r>
+            <a:r>
+              <a:rPr lang="ru-RU" sz="2000" dirty="0" smtClean="0">
+                <a:solidFill>
+                  <a:schemeClr val="tx1"/>
+                </a:solidFill>
+                <a:cs typeface="Arial" panose="020B0604020202020204" pitchFamily="34" charset="0"/>
+              </a:rPr>
+              <a:t>.</a:t>
+            </a:r>
+            <a:r>
+              <a:rPr lang="en-US" sz="2000" dirty="0" smtClean="0">
+                <a:solidFill>
+                  <a:schemeClr val="tx1"/>
+                </a:solidFill>
+                <a:cs typeface="Arial" panose="020B0604020202020204" pitchFamily="34" charset="0"/>
+              </a:rPr>
+              <a:t> </a:t>
+            </a:r>
+            <a:r>
+              <a:rPr lang="ru-RU" sz="2000" dirty="0" smtClean="0">
+                <a:cs typeface="Arial" panose="020B0604020202020204" pitchFamily="34" charset="0"/>
+              </a:rPr>
+              <a:t>Изменение </a:t>
+            </a:r>
+            <a:r>
+              <a:rPr lang="ru-RU" sz="2000" dirty="0">
+                <a:cs typeface="Arial" panose="020B0604020202020204" pitchFamily="34" charset="0"/>
+              </a:rPr>
+              <a:t>силовой линии магнитного поля внутри магнитной жидкости при увеличении напряжённости внешнего магнитного поля</a:t>
+            </a:r>
+            <a:endParaRPr lang="ru-RU" sz="2000" dirty="0">
+              <a:solidFill>
+                <a:schemeClr val="tx1"/>
+              </a:solidFill>
+              <a:cs typeface="Arial" panose="020B0604020202020204" pitchFamily="34" charset="0"/>
+            </a:endParaRPr>
+          </a:p>
+        </p:txBody>
+      </p:sp>
+      <p:pic>
+        <p:nvPicPr>
+          <p:cNvPr id="13" name="Рисунок 12"/>
+          <p:cNvPicPr/>
+          <p:nvPr/>
+        </p:nvPicPr>
+        <p:blipFill>
+          <a:blip r:embed="rId2">
+            <a:extLst>
+              <a:ext uri="{28A0092B-C50C-407E-A947-70E740481C1C}">
+                <a14:useLocalDpi xmlns:a14="http://schemas.microsoft.com/office/drawing/2010/main" val="0"/>
+              </a:ext>
+            </a:extLst>
+          </a:blip>
+          <a:srcRect/>
+          <a:stretch>
+            <a:fillRect/>
+          </a:stretch>
+        </p:blipFill>
+        <p:spPr bwMode="auto">
+          <a:xfrm>
+            <a:off x="1671534" y="3170955"/>
+            <a:ext cx="8848931" cy="2264373"/>
+          </a:xfrm>
+          <a:prstGeom prst="rect">
+            <a:avLst/>
+          </a:prstGeom>
+          <a:noFill/>
+          <a:ln>
+            <a:noFill/>
+          </a:ln>
+        </p:spPr>
+      </p:pic>
+      <mc:AlternateContent xmlns:mc="http://schemas.openxmlformats.org/markup-compatibility/2006">
+        <mc:Choice xmlns:a14="http://schemas.microsoft.com/office/drawing/2010/main" Requires="a14">
           <p:sp>
             <p:nvSpPr>
-              <p:cNvPr id="9" name="Прямоугольник 8"/>
+              <p:cNvPr id="6" name="Прямоугольник 5"/>
               <p:cNvSpPr/>
               <p:nvPr/>
             </p:nvSpPr>
             <p:spPr>
               <a:xfrm>
-                <a:off x="215900" y="817108"/>
-                <a:ext cx="5600700" cy="434478"/>
+                <a:off x="300673" y="769398"/>
+                <a:ext cx="5376228" cy="1398203"/>
               </a:xfrm>
               <a:prstGeom prst="rect">
                 <a:avLst/>
@@ -14611,95 +13363,322 @@
               </a:bodyPr>
               <a:lstStyle/>
               <a:p>
+                <a:pPr/>
+                <a:r>
+                  <a:rPr lang="ru-RU" sz="2000" dirty="0" smtClean="0"/>
+                  <a:t>Напряжённость </a:t>
+                </a:r>
+                <a:r>
+                  <a:rPr lang="ru-RU" sz="2000" dirty="0"/>
+                  <a:t>магнитного </a:t>
+                </a:r>
+                <a:r>
+                  <a:rPr lang="ru-RU" sz="2000" dirty="0" smtClean="0"/>
+                  <a:t>поля в магнитной жидкости:</a:t>
+                </a:r>
+                <a:endParaRPr lang="ru-RU" sz="2000" dirty="0"/>
+              </a:p>
+              <a:p>
+                <a:pPr/>
+                <a:endParaRPr lang="ru-RU" sz="2000" dirty="0">
+                  <a:latin typeface="Cambria Math" panose="02040503050406030204" pitchFamily="18" charset="0"/>
+                </a:endParaRPr>
+              </a:p>
+              <a:p>
+                <a:pPr/>
                 <a14:m>
                   <m:oMath xmlns:m="http://schemas.openxmlformats.org/officeDocument/2006/math">
-                    <m:eqArr>
-                      <m:eqArrPr>
+                    <m:sSup>
+                      <m:sSupPr>
                         <m:ctrlPr>
-                          <a:rPr lang="ru-RU" sz="2000" i="1" smtClean="0">
+                          <a:rPr lang="ru-RU" sz="2000">
                             <a:latin typeface="Cambria Math" panose="02040503050406030204" pitchFamily="18" charset="0"/>
                           </a:rPr>
                         </m:ctrlPr>
-                      </m:eqArrPr>
+                      </m:sSupPr>
                       <m:e>
-                        <m:r>
-                          <a:rPr lang="ru-RU" sz="2000">
-                            <a:latin typeface="Cambria Math" panose="02040503050406030204" pitchFamily="18" charset="0"/>
-                          </a:rPr>
-                          <m:t>&amp;</m:t>
-                        </m:r>
-                        <m:sSub>
-                          <m:sSubPr>
+                        <m:acc>
+                          <m:accPr>
+                            <m:chr m:val="⃗"/>
                             <m:ctrlPr>
-                              <a:rPr lang="en-US" sz="2000" i="1">
+                              <a:rPr lang="ru-RU" sz="2000">
                                 <a:latin typeface="Cambria Math" panose="02040503050406030204" pitchFamily="18" charset="0"/>
                               </a:rPr>
                             </m:ctrlPr>
-                          </m:sSubPr>
+                          </m:accPr>
                           <m:e>
-                            <m:acc>
-                              <m:accPr>
-                                <m:chr m:val="⃗"/>
-                                <m:ctrlPr>
-                                  <a:rPr lang="en-US" sz="2000" i="1">
-                                    <a:latin typeface="Cambria Math" panose="02040503050406030204" pitchFamily="18" charset="0"/>
-                                  </a:rPr>
-                                </m:ctrlPr>
-                              </m:accPr>
-                              <m:e>
-                                <m:r>
-                                  <a:rPr lang="en-US" sz="2000" b="0" i="1" smtClean="0">
-                                    <a:latin typeface="Cambria Math" panose="02040503050406030204" pitchFamily="18" charset="0"/>
-                                  </a:rPr>
-                                  <m:t>𝐹</m:t>
-                                </m:r>
-                              </m:e>
-                            </m:acc>
-                          </m:e>
-                          <m:sub>
                             <m:r>
-                              <a:rPr lang="en-US" sz="2000" b="0" i="1" smtClean="0">
+                              <a:rPr lang="ru-RU" sz="2000" i="1">
                                 <a:latin typeface="Cambria Math" panose="02040503050406030204" pitchFamily="18" charset="0"/>
                               </a:rPr>
-                              <m:t>𝑑𝑑</m:t>
+                              <m:t>𝐻</m:t>
                             </m:r>
-                          </m:sub>
-                        </m:sSub>
-                        <m:r>
-                          <a:rPr lang="en-US" sz="2000">
+                          </m:e>
+                        </m:acc>
+                      </m:e>
+                      <m:sup>
+                        <m:d>
+                          <m:dPr>
+                            <m:ctrlPr>
+                              <a:rPr lang="ru-RU" sz="2000" i="1">
+                                <a:latin typeface="Cambria Math" panose="02040503050406030204" pitchFamily="18" charset="0"/>
+                              </a:rPr>
+                            </m:ctrlPr>
+                          </m:dPr>
+                          <m:e>
+                            <m:r>
+                              <a:rPr lang="ru-RU" sz="2000" i="0">
+                                <a:latin typeface="Cambria Math" panose="02040503050406030204" pitchFamily="18" charset="0"/>
+                              </a:rPr>
+                              <m:t>1</m:t>
+                            </m:r>
+                          </m:e>
+                        </m:d>
+                      </m:sup>
+                    </m:sSup>
+                    <m:d>
+                      <m:dPr>
+                        <m:ctrlPr>
+                          <a:rPr lang="ru-RU" sz="2000" i="1">
                             <a:latin typeface="Cambria Math" panose="02040503050406030204" pitchFamily="18" charset="0"/>
                           </a:rPr>
-                          <m:t>##</m:t>
+                        </m:ctrlPr>
+                      </m:dPr>
+                      <m:e>
+                        <m:r>
+                          <a:rPr lang="ru-RU" sz="2000" i="1">
+                            <a:latin typeface="Cambria Math" panose="02040503050406030204" pitchFamily="18" charset="0"/>
+                          </a:rPr>
+                          <m:t>𝑡</m:t>
+                        </m:r>
+                        <m:r>
+                          <a:rPr lang="ru-RU" sz="2000" i="0">
+                            <a:latin typeface="Cambria Math" panose="02040503050406030204" pitchFamily="18" charset="0"/>
+                          </a:rPr>
+                          <m:t>, </m:t>
+                        </m:r>
+                        <m:r>
+                          <a:rPr lang="ru-RU" sz="2000" i="1">
+                            <a:latin typeface="Cambria Math" panose="02040503050406030204" pitchFamily="18" charset="0"/>
+                          </a:rPr>
+                          <m:t>𝑟</m:t>
+                        </m:r>
+                        <m:r>
+                          <a:rPr lang="ru-RU" sz="2000" i="0">
+                            <a:latin typeface="Cambria Math" panose="02040503050406030204" pitchFamily="18" charset="0"/>
+                          </a:rPr>
+                          <m:t>,</m:t>
+                        </m:r>
+                        <m:r>
+                          <a:rPr lang="ru-RU" sz="2000" i="1">
+                            <a:latin typeface="Cambria Math" panose="02040503050406030204" pitchFamily="18" charset="0"/>
+                          </a:rPr>
+                          <m:t>𝑥</m:t>
                         </m:r>
                       </m:e>
-                    </m:eqArr>
+                    </m:d>
+                    <m:r>
+                      <a:rPr lang="ru-RU" sz="2000" i="0">
+                        <a:latin typeface="Cambria Math" panose="02040503050406030204" pitchFamily="18" charset="0"/>
+                      </a:rPr>
+                      <m:t>≈</m:t>
+                    </m:r>
+                    <m:sSubSup>
+                      <m:sSubSupPr>
+                        <m:ctrlPr>
+                          <a:rPr lang="ru-RU" sz="2000" i="1">
+                            <a:latin typeface="Cambria Math" panose="02040503050406030204" pitchFamily="18" charset="0"/>
+                          </a:rPr>
+                        </m:ctrlPr>
+                      </m:sSubSupPr>
+                      <m:e>
+                        <m:acc>
+                          <m:accPr>
+                            <m:chr m:val="⃗"/>
+                            <m:ctrlPr>
+                              <a:rPr lang="ru-RU" sz="2000" i="1">
+                                <a:latin typeface="Cambria Math" panose="02040503050406030204" pitchFamily="18" charset="0"/>
+                              </a:rPr>
+                            </m:ctrlPr>
+                          </m:accPr>
+                          <m:e>
+                            <m:r>
+                              <a:rPr lang="ru-RU" sz="2000" i="1">
+                                <a:latin typeface="Cambria Math" panose="02040503050406030204" pitchFamily="18" charset="0"/>
+                              </a:rPr>
+                              <m:t>𝐻</m:t>
+                            </m:r>
+                          </m:e>
+                        </m:acc>
+                      </m:e>
+                      <m:sub>
+                        <m:r>
+                          <a:rPr lang="ru-RU" sz="2000" i="0">
+                            <a:latin typeface="Cambria Math" panose="02040503050406030204" pitchFamily="18" charset="0"/>
+                          </a:rPr>
+                          <m:t>0</m:t>
+                        </m:r>
+                      </m:sub>
+                      <m:sup>
+                        <m:d>
+                          <m:dPr>
+                            <m:ctrlPr>
+                              <a:rPr lang="ru-RU" sz="2000" i="1">
+                                <a:latin typeface="Cambria Math" panose="02040503050406030204" pitchFamily="18" charset="0"/>
+                              </a:rPr>
+                            </m:ctrlPr>
+                          </m:dPr>
+                          <m:e>
+                            <m:r>
+                              <a:rPr lang="ru-RU" sz="2000" i="0">
+                                <a:latin typeface="Cambria Math" panose="02040503050406030204" pitchFamily="18" charset="0"/>
+                              </a:rPr>
+                              <m:t>1</m:t>
+                            </m:r>
+                          </m:e>
+                        </m:d>
+                      </m:sup>
+                    </m:sSubSup>
+                    <m:r>
+                      <a:rPr lang="ru-RU" sz="2000" i="0">
+                        <a:latin typeface="Cambria Math" panose="02040503050406030204" pitchFamily="18" charset="0"/>
+                      </a:rPr>
+                      <m:t>+</m:t>
+                    </m:r>
+                    <m:sSubSup>
+                      <m:sSubSupPr>
+                        <m:ctrlPr>
+                          <a:rPr lang="ru-RU" sz="2000" i="1">
+                            <a:latin typeface="Cambria Math" panose="02040503050406030204" pitchFamily="18" charset="0"/>
+                          </a:rPr>
+                        </m:ctrlPr>
+                      </m:sSubSupPr>
+                      <m:e>
+                        <m:acc>
+                          <m:accPr>
+                            <m:chr m:val="⃗"/>
+                            <m:ctrlPr>
+                              <a:rPr lang="ru-RU" sz="2000" i="1">
+                                <a:latin typeface="Cambria Math" panose="02040503050406030204" pitchFamily="18" charset="0"/>
+                              </a:rPr>
+                            </m:ctrlPr>
+                          </m:accPr>
+                          <m:e>
+                            <m:r>
+                              <a:rPr lang="ru-RU" sz="2000" i="1">
+                                <a:latin typeface="Cambria Math" panose="02040503050406030204" pitchFamily="18" charset="0"/>
+                              </a:rPr>
+                              <m:t>𝐻</m:t>
+                            </m:r>
+                          </m:e>
+                        </m:acc>
+                      </m:e>
+                      <m:sub>
+                        <m:r>
+                          <a:rPr lang="ru-RU" sz="2000" i="0">
+                            <a:latin typeface="Cambria Math" panose="02040503050406030204" pitchFamily="18" charset="0"/>
+                          </a:rPr>
+                          <m:t>1</m:t>
+                        </m:r>
+                      </m:sub>
+                      <m:sup>
+                        <m:d>
+                          <m:dPr>
+                            <m:ctrlPr>
+                              <a:rPr lang="ru-RU" sz="2000" i="1">
+                                <a:latin typeface="Cambria Math" panose="02040503050406030204" pitchFamily="18" charset="0"/>
+                              </a:rPr>
+                            </m:ctrlPr>
+                          </m:dPr>
+                          <m:e>
+                            <m:r>
+                              <a:rPr lang="ru-RU" sz="2000" i="0">
+                                <a:latin typeface="Cambria Math" panose="02040503050406030204" pitchFamily="18" charset="0"/>
+                              </a:rPr>
+                              <m:t>1</m:t>
+                            </m:r>
+                          </m:e>
+                        </m:d>
+                      </m:sup>
+                    </m:sSubSup>
+                    <m:d>
+                      <m:dPr>
+                        <m:ctrlPr>
+                          <a:rPr lang="ru-RU" sz="2000" i="1">
+                            <a:latin typeface="Cambria Math" panose="02040503050406030204" pitchFamily="18" charset="0"/>
+                          </a:rPr>
+                        </m:ctrlPr>
+                      </m:dPr>
+                      <m:e>
+                        <m:r>
+                          <a:rPr lang="ru-RU" sz="2000" i="1">
+                            <a:latin typeface="Cambria Math" panose="02040503050406030204" pitchFamily="18" charset="0"/>
+                          </a:rPr>
+                          <m:t>𝑡</m:t>
+                        </m:r>
+                        <m:r>
+                          <a:rPr lang="ru-RU" sz="2000" i="0">
+                            <a:latin typeface="Cambria Math" panose="02040503050406030204" pitchFamily="18" charset="0"/>
+                          </a:rPr>
+                          <m:t>, </m:t>
+                        </m:r>
+                        <m:r>
+                          <a:rPr lang="ru-RU" sz="2000" i="1">
+                            <a:latin typeface="Cambria Math" panose="02040503050406030204" pitchFamily="18" charset="0"/>
+                          </a:rPr>
+                          <m:t>𝑟</m:t>
+                        </m:r>
+                        <m:r>
+                          <a:rPr lang="ru-RU" sz="2000" i="0">
+                            <a:latin typeface="Cambria Math" panose="02040503050406030204" pitchFamily="18" charset="0"/>
+                          </a:rPr>
+                          <m:t>,</m:t>
+                        </m:r>
+                        <m:r>
+                          <a:rPr lang="ru-RU" sz="2000" i="1">
+                            <a:latin typeface="Cambria Math" panose="02040503050406030204" pitchFamily="18" charset="0"/>
+                          </a:rPr>
+                          <m:t>𝑥</m:t>
+                        </m:r>
+                      </m:e>
+                    </m:d>
                   </m:oMath>
                 </a14:m>
                 <a:r>
-                  <a:rPr lang="ru-RU" sz="2000" dirty="0"/>
-                  <a:t> </a:t>
+                  <a:rPr lang="ru-RU" sz="2000" dirty="0" smtClean="0"/>
+                  <a:t>	               </a:t>
                 </a:r>
-                <a:r>
-                  <a:rPr lang="ru-RU" sz="2000" dirty="0" smtClean="0"/>
-                  <a:t>–</a:t>
-                </a:r>
-                <a:r>
-                  <a:rPr lang="en-US" sz="2000" dirty="0" smtClean="0"/>
-                  <a:t> </a:t>
-                </a:r>
-                <a:r>
-                  <a:rPr lang="ru-RU" sz="2000" dirty="0" smtClean="0"/>
-                  <a:t>сила диполь-дипольного взаимодействия</a:t>
-                </a:r>
-                <a:endParaRPr lang="ru-RU" sz="2000" dirty="0"/>
+                <a14:m>
+                  <m:oMath xmlns:m="http://schemas.openxmlformats.org/officeDocument/2006/math">
+                    <m:r>
+                      <a:rPr lang="ru-RU" sz="2000" i="1">
+                        <a:latin typeface="Cambria Math" panose="02040503050406030204" pitchFamily="18" charset="0"/>
+                      </a:rPr>
+                      <m:t>(1</m:t>
+                    </m:r>
+                    <m:r>
+                      <a:rPr lang="ru-RU" sz="2000" b="0" i="1" smtClean="0">
+                        <a:latin typeface="Cambria Math" panose="02040503050406030204" pitchFamily="18" charset="0"/>
+                      </a:rPr>
+                      <m:t>3</m:t>
+                    </m:r>
+                    <m:r>
+                      <a:rPr lang="ru-RU" sz="2000" i="1">
+                        <a:latin typeface="Cambria Math" panose="02040503050406030204" pitchFamily="18" charset="0"/>
+                      </a:rPr>
+                      <m:t>)</m:t>
+                    </m:r>
+                  </m:oMath>
+                </a14:m>
+                <a:endParaRPr lang="en-US" sz="2000" dirty="0"/>
               </a:p>
             </p:txBody>
           </p:sp>
         </mc:Choice>
-        <mc:Fallback xmlns="">
+        <mc:Fallback>
           <p:sp>
             <p:nvSpPr>
-              <p:cNvPr id="9" name="Прямоугольник 8"/>
+              <p:cNvPr id="6" name="Прямоугольник 5"/>
               <p:cNvSpPr>
                 <a:spLocks noRot="1" noChangeAspect="1" noMove="1" noResize="1" noEditPoints="1" noAdjustHandles="1" noChangeArrowheads="1" noChangeShapeType="1" noTextEdit="1"/>
               </p:cNvSpPr>
@@ -14707,16 +13686,16 @@
             </p:nvSpPr>
             <p:spPr>
               <a:xfrm>
-                <a:off x="215900" y="817108"/>
-                <a:ext cx="5600700" cy="434478"/>
+                <a:off x="300673" y="769398"/>
+                <a:ext cx="5376228" cy="1398203"/>
               </a:xfrm>
               <a:prstGeom prst="rect">
                 <a:avLst/>
               </a:prstGeom>
               <a:blipFill>
-                <a:blip r:embed="rId2"/>
+                <a:blip r:embed="rId3"/>
                 <a:stretch>
-                  <a:fillRect t="-16901" b="-22535"/>
+                  <a:fillRect l="-1134" t="-2174"/>
                 </a:stretch>
               </a:blipFill>
             </p:spPr>
@@ -14735,104 +13714,296 @@
           </p:sp>
         </mc:Fallback>
       </mc:AlternateContent>
-      <p:sp>
-        <p:nvSpPr>
-          <p:cNvPr id="10" name="TextBox 9"/>
-          <p:cNvSpPr txBox="1"/>
-          <p:nvPr/>
-        </p:nvSpPr>
-        <p:spPr>
-          <a:xfrm>
-            <a:off x="215900" y="5813594"/>
-            <a:ext cx="7772400" cy="707886"/>
-          </a:xfrm>
-          <a:prstGeom prst="rect">
-            <a:avLst/>
-          </a:prstGeom>
-          <a:noFill/>
-        </p:spPr>
-        <p:txBody>
-          <a:bodyPr wrap="square" rtlCol="0">
-            <a:spAutoFit/>
-          </a:bodyPr>
-          <a:lstStyle/>
-          <a:p>
-            <a:pPr algn="ctr"/>
-            <a:r>
-              <a:rPr lang="ru-RU" sz="2000" i="1" dirty="0" smtClean="0">
-                <a:solidFill>
-                  <a:schemeClr val="tx1"/>
-                </a:solidFill>
-                <a:cs typeface="Arial" panose="020B0604020202020204" pitchFamily="34" charset="0"/>
-              </a:rPr>
-              <a:t>Рис. </a:t>
-            </a:r>
-            <a:r>
-              <a:rPr lang="en-US" sz="2000" i="1" dirty="0">
-                <a:cs typeface="Arial" panose="020B0604020202020204" pitchFamily="34" charset="0"/>
-              </a:rPr>
-              <a:t>4</a:t>
-            </a:r>
-            <a:r>
-              <a:rPr lang="ru-RU" sz="2000" i="1" dirty="0" smtClean="0">
-                <a:solidFill>
-                  <a:schemeClr val="tx1"/>
-                </a:solidFill>
-                <a:cs typeface="Arial" panose="020B0604020202020204" pitchFamily="34" charset="0"/>
-              </a:rPr>
-              <a:t>.</a:t>
-            </a:r>
-            <a:r>
-              <a:rPr lang="en-US" sz="2000" i="1" dirty="0" smtClean="0">
-                <a:solidFill>
-                  <a:schemeClr val="tx1"/>
-                </a:solidFill>
-                <a:cs typeface="Arial" panose="020B0604020202020204" pitchFamily="34" charset="0"/>
-              </a:rPr>
-              <a:t> </a:t>
-            </a:r>
-            <a:r>
-              <a:rPr lang="ru-RU" sz="2000" i="1" dirty="0" smtClean="0">
-                <a:solidFill>
-                  <a:schemeClr val="tx1"/>
-                </a:solidFill>
-                <a:cs typeface="Arial" panose="020B0604020202020204" pitchFamily="34" charset="0"/>
-              </a:rPr>
-              <a:t>Схема взаимодействия магнитным полем на поверхности магнитной жидкости</a:t>
-            </a:r>
-            <a:endParaRPr lang="ru-RU" sz="2000" i="1" dirty="0">
-              <a:solidFill>
-                <a:schemeClr val="tx1"/>
-              </a:solidFill>
-              <a:cs typeface="Arial" panose="020B0604020202020204" pitchFamily="34" charset="0"/>
-            </a:endParaRPr>
-          </a:p>
-        </p:txBody>
-      </p:sp>
-      <p:pic>
-        <p:nvPicPr>
-          <p:cNvPr id="8" name="Рисунок 7"/>
-          <p:cNvPicPr>
-            <a:picLocks noChangeAspect="1"/>
-          </p:cNvPicPr>
-          <p:nvPr/>
-        </p:nvPicPr>
-        <p:blipFill>
-          <a:blip r:embed="rId3"/>
-          <a:stretch>
-            <a:fillRect/>
-          </a:stretch>
-        </p:blipFill>
-        <p:spPr>
-          <a:xfrm>
-            <a:off x="1170887" y="1831822"/>
-            <a:ext cx="9850225" cy="2676899"/>
-          </a:xfrm>
-          <a:prstGeom prst="rect">
-            <a:avLst/>
-          </a:prstGeom>
-        </p:spPr>
-      </p:pic>
+      <mc:AlternateContent xmlns:mc="http://schemas.openxmlformats.org/markup-compatibility/2006">
+        <mc:Choice xmlns:a14="http://schemas.microsoft.com/office/drawing/2010/main" Requires="a14">
+          <p:sp>
+            <p:nvSpPr>
+              <p:cNvPr id="14" name="Прямоугольник 13"/>
+              <p:cNvSpPr/>
+              <p:nvPr/>
+            </p:nvSpPr>
+            <p:spPr>
+              <a:xfrm>
+                <a:off x="6959600" y="769398"/>
+                <a:ext cx="4949568" cy="782650"/>
+              </a:xfrm>
+              <a:prstGeom prst="rect">
+                <a:avLst/>
+              </a:prstGeom>
+            </p:spPr>
+            <p:txBody>
+              <a:bodyPr wrap="square">
+                <a:spAutoFit/>
+              </a:bodyPr>
+              <a:lstStyle/>
+              <a:p>
+                <a14:m>
+                  <m:oMath xmlns:m="http://schemas.openxmlformats.org/officeDocument/2006/math">
+                    <m:sSubSup>
+                      <m:sSubSupPr>
+                        <m:ctrlPr>
+                          <a:rPr lang="ru-RU" sz="2000" i="1">
+                            <a:latin typeface="Cambria Math" panose="02040503050406030204" pitchFamily="18" charset="0"/>
+                          </a:rPr>
+                        </m:ctrlPr>
+                      </m:sSubSupPr>
+                      <m:e>
+                        <m:acc>
+                          <m:accPr>
+                            <m:chr m:val="⃗"/>
+                            <m:ctrlPr>
+                              <a:rPr lang="ru-RU" sz="2000" i="1">
+                                <a:latin typeface="Cambria Math" panose="02040503050406030204" pitchFamily="18" charset="0"/>
+                              </a:rPr>
+                            </m:ctrlPr>
+                          </m:accPr>
+                          <m:e>
+                            <m:r>
+                              <a:rPr lang="ru-RU" sz="2000" i="1">
+                                <a:latin typeface="Cambria Math" panose="02040503050406030204" pitchFamily="18" charset="0"/>
+                              </a:rPr>
+                              <m:t>𝐻</m:t>
+                            </m:r>
+                          </m:e>
+                        </m:acc>
+                      </m:e>
+                      <m:sub>
+                        <m:r>
+                          <a:rPr lang="ru-RU" sz="2000">
+                            <a:latin typeface="Cambria Math" panose="02040503050406030204" pitchFamily="18" charset="0"/>
+                          </a:rPr>
+                          <m:t>0</m:t>
+                        </m:r>
+                      </m:sub>
+                      <m:sup>
+                        <m:d>
+                          <m:dPr>
+                            <m:ctrlPr>
+                              <a:rPr lang="ru-RU" sz="2000" i="1">
+                                <a:latin typeface="Cambria Math" panose="02040503050406030204" pitchFamily="18" charset="0"/>
+                              </a:rPr>
+                            </m:ctrlPr>
+                          </m:dPr>
+                          <m:e>
+                            <m:r>
+                              <a:rPr lang="ru-RU" sz="2000">
+                                <a:latin typeface="Cambria Math" panose="02040503050406030204" pitchFamily="18" charset="0"/>
+                              </a:rPr>
+                              <m:t>1</m:t>
+                            </m:r>
+                          </m:e>
+                        </m:d>
+                      </m:sup>
+                    </m:sSubSup>
+                  </m:oMath>
+                </a14:m>
+                <a:r>
+                  <a:rPr lang="ru-RU" sz="2000" dirty="0"/>
+                  <a:t> – напряжённость внешнего </a:t>
+                </a:r>
+                <a:r>
+                  <a:rPr lang="ru-RU" sz="2000" dirty="0"/>
+                  <a:t>магнитного </a:t>
+                </a:r>
+                <a:r>
+                  <a:rPr lang="ru-RU" sz="2000" dirty="0"/>
+                  <a:t>поля (0 порядок малости)</a:t>
+                </a:r>
+                <a:endParaRPr lang="ru-RU" sz="2000" dirty="0"/>
+              </a:p>
+            </p:txBody>
+          </p:sp>
+        </mc:Choice>
+        <mc:Fallback>
+          <p:sp>
+            <p:nvSpPr>
+              <p:cNvPr id="14" name="Прямоугольник 13"/>
+              <p:cNvSpPr>
+                <a:spLocks noRot="1" noChangeAspect="1" noMove="1" noResize="1" noEditPoints="1" noAdjustHandles="1" noChangeArrowheads="1" noChangeShapeType="1" noTextEdit="1"/>
+              </p:cNvSpPr>
+              <p:nvPr/>
+            </p:nvSpPr>
+            <p:spPr>
+              <a:xfrm>
+                <a:off x="6959600" y="769398"/>
+                <a:ext cx="4949568" cy="782650"/>
+              </a:xfrm>
+              <a:prstGeom prst="rect">
+                <a:avLst/>
+              </a:prstGeom>
+              <a:blipFill>
+                <a:blip r:embed="rId4"/>
+                <a:stretch>
+                  <a:fillRect l="-1355" b="-12403"/>
+                </a:stretch>
+              </a:blipFill>
+            </p:spPr>
+            <p:txBody>
+              <a:bodyPr/>
+              <a:lstStyle/>
+              <a:p>
+                <a:r>
+                  <a:rPr lang="ru-RU">
+                    <a:noFill/>
+                  </a:rPr>
+                  <a:t> </a:t>
+                </a:r>
+              </a:p>
+            </p:txBody>
+          </p:sp>
+        </mc:Fallback>
+      </mc:AlternateContent>
+      <mc:AlternateContent xmlns:mc="http://schemas.openxmlformats.org/markup-compatibility/2006">
+        <mc:Choice xmlns:a14="http://schemas.microsoft.com/office/drawing/2010/main" Requires="a14">
+          <p:sp>
+            <p:nvSpPr>
+              <p:cNvPr id="16" name="Прямоугольник 15"/>
+              <p:cNvSpPr/>
+              <p:nvPr/>
+            </p:nvSpPr>
+            <p:spPr>
+              <a:xfrm>
+                <a:off x="6959600" y="1795606"/>
+                <a:ext cx="4949568" cy="780406"/>
+              </a:xfrm>
+              <a:prstGeom prst="rect">
+                <a:avLst/>
+              </a:prstGeom>
+            </p:spPr>
+            <p:txBody>
+              <a:bodyPr wrap="square">
+                <a:spAutoFit/>
+              </a:bodyPr>
+              <a:lstStyle/>
+              <a:p>
+                <a14:m>
+                  <m:oMath xmlns:m="http://schemas.openxmlformats.org/officeDocument/2006/math">
+                    <m:sSubSup>
+                      <m:sSubSupPr>
+                        <m:ctrlPr>
+                          <a:rPr lang="ru-RU" sz="2000" i="1">
+                            <a:latin typeface="Cambria Math" panose="02040503050406030204" pitchFamily="18" charset="0"/>
+                          </a:rPr>
+                        </m:ctrlPr>
+                      </m:sSubSupPr>
+                      <m:e>
+                        <m:acc>
+                          <m:accPr>
+                            <m:chr m:val="⃗"/>
+                            <m:ctrlPr>
+                              <a:rPr lang="ru-RU" sz="2000" i="1">
+                                <a:latin typeface="Cambria Math" panose="02040503050406030204" pitchFamily="18" charset="0"/>
+                              </a:rPr>
+                            </m:ctrlPr>
+                          </m:accPr>
+                          <m:e>
+                            <m:r>
+                              <a:rPr lang="ru-RU" sz="2000" i="1">
+                                <a:latin typeface="Cambria Math" panose="02040503050406030204" pitchFamily="18" charset="0"/>
+                              </a:rPr>
+                              <m:t>𝐻</m:t>
+                            </m:r>
+                          </m:e>
+                        </m:acc>
+                      </m:e>
+                      <m:sub>
+                        <m:r>
+                          <a:rPr lang="ru-RU" sz="2000">
+                            <a:latin typeface="Cambria Math" panose="02040503050406030204" pitchFamily="18" charset="0"/>
+                          </a:rPr>
+                          <m:t>1</m:t>
+                        </m:r>
+                      </m:sub>
+                      <m:sup>
+                        <m:d>
+                          <m:dPr>
+                            <m:ctrlPr>
+                              <a:rPr lang="ru-RU" sz="2000" i="1">
+                                <a:latin typeface="Cambria Math" panose="02040503050406030204" pitchFamily="18" charset="0"/>
+                              </a:rPr>
+                            </m:ctrlPr>
+                          </m:dPr>
+                          <m:e>
+                            <m:r>
+                              <a:rPr lang="ru-RU" sz="2000">
+                                <a:latin typeface="Cambria Math" panose="02040503050406030204" pitchFamily="18" charset="0"/>
+                              </a:rPr>
+                              <m:t>1</m:t>
+                            </m:r>
+                          </m:e>
+                        </m:d>
+                      </m:sup>
+                    </m:sSubSup>
+                  </m:oMath>
+                </a14:m>
+                <a:r>
+                  <a:rPr lang="ru-RU" sz="2000" dirty="0"/>
+                  <a:t> – </a:t>
+                </a:r>
+                <a:r>
+                  <a:rPr lang="ru-RU" sz="2000" dirty="0"/>
+                  <a:t>поправка к напряжённости </a:t>
+                </a:r>
+                <a:r>
+                  <a:rPr lang="ru-RU" sz="2000" dirty="0"/>
+                  <a:t>внешнего магнитного поля </a:t>
+                </a:r>
+                <a:r>
+                  <a:rPr lang="ru-RU" sz="2000" dirty="0"/>
+                  <a:t>(1 </a:t>
+                </a:r>
+                <a:r>
+                  <a:rPr lang="ru-RU" sz="2000" dirty="0"/>
+                  <a:t>порядок малости</a:t>
+                </a:r>
+                <a:r>
+                  <a:rPr lang="ru-RU" sz="2000" dirty="0"/>
+                  <a:t>)</a:t>
+                </a:r>
+                <a:endParaRPr lang="ru-RU" sz="2400" dirty="0"/>
+              </a:p>
+            </p:txBody>
+          </p:sp>
+        </mc:Choice>
+        <mc:Fallback>
+          <p:sp>
+            <p:nvSpPr>
+              <p:cNvPr id="16" name="Прямоугольник 15"/>
+              <p:cNvSpPr>
+                <a:spLocks noRot="1" noChangeAspect="1" noMove="1" noResize="1" noEditPoints="1" noAdjustHandles="1" noChangeArrowheads="1" noChangeShapeType="1" noTextEdit="1"/>
+              </p:cNvSpPr>
+              <p:nvPr/>
+            </p:nvSpPr>
+            <p:spPr>
+              <a:xfrm>
+                <a:off x="6959600" y="1795606"/>
+                <a:ext cx="4949568" cy="780406"/>
+              </a:xfrm>
+              <a:prstGeom prst="rect">
+                <a:avLst/>
+              </a:prstGeom>
+              <a:blipFill>
+                <a:blip r:embed="rId5"/>
+                <a:stretch>
+                  <a:fillRect l="-1355" r="-1970" b="-13281"/>
+                </a:stretch>
+              </a:blipFill>
+            </p:spPr>
+            <p:txBody>
+              <a:bodyPr/>
+              <a:lstStyle/>
+              <a:p>
+                <a:r>
+                  <a:rPr lang="ru-RU">
+                    <a:noFill/>
+                  </a:rPr>
+                  <a:t> </a:t>
+                </a:r>
+              </a:p>
+            </p:txBody>
+          </p:sp>
+        </mc:Fallback>
+      </mc:AlternateContent>
     </p:spTree>
     <p:extLst>
       <p:ext uri="{BB962C8B-B14F-4D97-AF65-F5344CB8AC3E}">
